--- a/2018電資營_資工實作.pptx
+++ b/2018電資營_資工實作.pptx
@@ -31,17 +31,18 @@
     <p:sldId id="282" r:id="rId25"/>
     <p:sldId id="268" r:id="rId26"/>
     <p:sldId id="269" r:id="rId27"/>
-    <p:sldId id="270" r:id="rId28"/>
-    <p:sldId id="289" r:id="rId29"/>
-    <p:sldId id="271" r:id="rId30"/>
-    <p:sldId id="290" r:id="rId31"/>
-    <p:sldId id="291" r:id="rId32"/>
-    <p:sldId id="292" r:id="rId33"/>
-    <p:sldId id="293" r:id="rId34"/>
-    <p:sldId id="278" r:id="rId35"/>
-    <p:sldId id="279" r:id="rId36"/>
-    <p:sldId id="287" r:id="rId37"/>
-    <p:sldId id="272" r:id="rId38"/>
+    <p:sldId id="294" r:id="rId28"/>
+    <p:sldId id="270" r:id="rId29"/>
+    <p:sldId id="289" r:id="rId30"/>
+    <p:sldId id="271" r:id="rId31"/>
+    <p:sldId id="290" r:id="rId32"/>
+    <p:sldId id="291" r:id="rId33"/>
+    <p:sldId id="292" r:id="rId34"/>
+    <p:sldId id="293" r:id="rId35"/>
+    <p:sldId id="278" r:id="rId36"/>
+    <p:sldId id="279" r:id="rId37"/>
+    <p:sldId id="287" r:id="rId38"/>
+    <p:sldId id="272" r:id="rId39"/>
   </p:sldIdLst>
   <p:sldSz cx="12192000" cy="6858000"/>
   <p:notesSz cx="6858000" cy="9144000"/>
@@ -305,7 +306,7 @@
           <a:p>
             <a:fld id="{1090D9B2-2265-4073-B8F2-20CB18F76C44}" type="datetimeFigureOut">
               <a:rPr lang="zh-TW" altLang="en-US" smtClean="0"/>
-              <a:t>2018/6/22</a:t>
+              <a:t>2018/7/1</a:t>
             </a:fld>
             <a:endParaRPr lang="zh-TW" altLang="en-US"/>
           </a:p>
@@ -475,7 +476,7 @@
           <a:p>
             <a:fld id="{1090D9B2-2265-4073-B8F2-20CB18F76C44}" type="datetimeFigureOut">
               <a:rPr lang="zh-TW" altLang="en-US" smtClean="0"/>
-              <a:t>2018/6/22</a:t>
+              <a:t>2018/7/1</a:t>
             </a:fld>
             <a:endParaRPr lang="zh-TW" altLang="en-US"/>
           </a:p>
@@ -655,7 +656,7 @@
           <a:p>
             <a:fld id="{1090D9B2-2265-4073-B8F2-20CB18F76C44}" type="datetimeFigureOut">
               <a:rPr lang="zh-TW" altLang="en-US" smtClean="0"/>
-              <a:t>2018/6/22</a:t>
+              <a:t>2018/7/1</a:t>
             </a:fld>
             <a:endParaRPr lang="zh-TW" altLang="en-US"/>
           </a:p>
@@ -825,7 +826,7 @@
           <a:p>
             <a:fld id="{1090D9B2-2265-4073-B8F2-20CB18F76C44}" type="datetimeFigureOut">
               <a:rPr lang="zh-TW" altLang="en-US" smtClean="0"/>
-              <a:t>2018/6/22</a:t>
+              <a:t>2018/7/1</a:t>
             </a:fld>
             <a:endParaRPr lang="zh-TW" altLang="en-US"/>
           </a:p>
@@ -1071,7 +1072,7 @@
           <a:p>
             <a:fld id="{1090D9B2-2265-4073-B8F2-20CB18F76C44}" type="datetimeFigureOut">
               <a:rPr lang="zh-TW" altLang="en-US" smtClean="0"/>
-              <a:t>2018/6/22</a:t>
+              <a:t>2018/7/1</a:t>
             </a:fld>
             <a:endParaRPr lang="zh-TW" altLang="en-US"/>
           </a:p>
@@ -1303,7 +1304,7 @@
           <a:p>
             <a:fld id="{1090D9B2-2265-4073-B8F2-20CB18F76C44}" type="datetimeFigureOut">
               <a:rPr lang="zh-TW" altLang="en-US" smtClean="0"/>
-              <a:t>2018/6/22</a:t>
+              <a:t>2018/7/1</a:t>
             </a:fld>
             <a:endParaRPr lang="zh-TW" altLang="en-US"/>
           </a:p>
@@ -1670,7 +1671,7 @@
           <a:p>
             <a:fld id="{1090D9B2-2265-4073-B8F2-20CB18F76C44}" type="datetimeFigureOut">
               <a:rPr lang="zh-TW" altLang="en-US" smtClean="0"/>
-              <a:t>2018/6/22</a:t>
+              <a:t>2018/7/1</a:t>
             </a:fld>
             <a:endParaRPr lang="zh-TW" altLang="en-US"/>
           </a:p>
@@ -1788,7 +1789,7 @@
           <a:p>
             <a:fld id="{1090D9B2-2265-4073-B8F2-20CB18F76C44}" type="datetimeFigureOut">
               <a:rPr lang="zh-TW" altLang="en-US" smtClean="0"/>
-              <a:t>2018/6/22</a:t>
+              <a:t>2018/7/1</a:t>
             </a:fld>
             <a:endParaRPr lang="zh-TW" altLang="en-US"/>
           </a:p>
@@ -1883,7 +1884,7 @@
           <a:p>
             <a:fld id="{1090D9B2-2265-4073-B8F2-20CB18F76C44}" type="datetimeFigureOut">
               <a:rPr lang="zh-TW" altLang="en-US" smtClean="0"/>
-              <a:t>2018/6/22</a:t>
+              <a:t>2018/7/1</a:t>
             </a:fld>
             <a:endParaRPr lang="zh-TW" altLang="en-US"/>
           </a:p>
@@ -2160,7 +2161,7 @@
           <a:p>
             <a:fld id="{1090D9B2-2265-4073-B8F2-20CB18F76C44}" type="datetimeFigureOut">
               <a:rPr lang="zh-TW" altLang="en-US" smtClean="0"/>
-              <a:t>2018/6/22</a:t>
+              <a:t>2018/7/1</a:t>
             </a:fld>
             <a:endParaRPr lang="zh-TW" altLang="en-US"/>
           </a:p>
@@ -2413,7 +2414,7 @@
           <a:p>
             <a:fld id="{1090D9B2-2265-4073-B8F2-20CB18F76C44}" type="datetimeFigureOut">
               <a:rPr lang="zh-TW" altLang="en-US" smtClean="0"/>
-              <a:t>2018/6/22</a:t>
+              <a:t>2018/7/1</a:t>
             </a:fld>
             <a:endParaRPr lang="zh-TW" altLang="en-US"/>
           </a:p>
@@ -2626,7 +2627,7 @@
           <a:p>
             <a:fld id="{1090D9B2-2265-4073-B8F2-20CB18F76C44}" type="datetimeFigureOut">
               <a:rPr lang="zh-TW" altLang="en-US" smtClean="0"/>
-              <a:t>2018/6/22</a:t>
+              <a:t>2018/7/1</a:t>
             </a:fld>
             <a:endParaRPr lang="zh-TW" altLang="en-US"/>
           </a:p>
@@ -3912,11 +3913,7 @@
           <a:p>
             <a:r>
               <a:rPr lang="zh-TW" altLang="en-US" dirty="0" smtClean="0"/>
-              <a:t>左</a:t>
-            </a:r>
-            <a:r>
-              <a:rPr lang="zh-TW" altLang="en-US" dirty="0" smtClean="0"/>
-              <a:t>上角 </a:t>
+              <a:t>左上角 </a:t>
             </a:r>
             <a:r>
               <a:rPr lang="en-US" altLang="zh-TW" dirty="0" smtClean="0"/>
@@ -4139,11 +4136,7 @@
             </a:pPr>
             <a:r>
               <a:rPr lang="en-US" altLang="zh-TW" dirty="0" smtClean="0"/>
-              <a:t>3</a:t>
-            </a:r>
-            <a:r>
-              <a:rPr lang="en-US" altLang="zh-TW" dirty="0" smtClean="0"/>
-              <a:t>. </a:t>
+              <a:t>3. </a:t>
             </a:r>
             <a:r>
               <a:rPr lang="zh-TW" altLang="en-US" dirty="0" smtClean="0"/>
@@ -4624,7 +4617,6 @@
               <a:rPr lang="zh-TW" altLang="en-US" dirty="0"/>
               <a:t>程式的邏輯運算</a:t>
             </a:r>
-            <a:endParaRPr lang="zh-TW" altLang="en-US" dirty="0"/>
           </a:p>
         </p:txBody>
       </p:sp>
@@ -4645,11 +4637,7 @@
           <a:p>
             <a:r>
               <a:rPr lang="zh-TW" altLang="en-US" dirty="0" smtClean="0"/>
-              <a:t>比較運</a:t>
-            </a:r>
-            <a:r>
-              <a:rPr lang="zh-TW" altLang="en-US" dirty="0" smtClean="0"/>
-              <a:t>算子</a:t>
+              <a:t>比較運算子</a:t>
             </a:r>
             <a:endParaRPr lang="en-US" altLang="zh-TW" dirty="0" smtClean="0"/>
           </a:p>
@@ -4657,11 +4645,7 @@
             <a:pPr lvl="1"/>
             <a:r>
               <a:rPr lang="en-US" altLang="zh-TW" dirty="0" smtClean="0"/>
-              <a:t>==, !=, &gt;=, </a:t>
-            </a:r>
-            <a:r>
-              <a:rPr lang="en-US" altLang="zh-TW" dirty="0" smtClean="0"/>
-              <a:t>&lt;=,&gt;,&lt;</a:t>
+              <a:t>==, !=, &gt;=, &lt;=,&gt;,&lt;</a:t>
             </a:r>
           </a:p>
           <a:p>
@@ -4687,15 +4671,7 @@
             <a:pPr lvl="1"/>
             <a:r>
               <a:rPr lang="en-US" altLang="zh-TW" dirty="0" smtClean="0"/>
-              <a:t>and</a:t>
-            </a:r>
-            <a:r>
-              <a:rPr lang="en-US" altLang="zh-TW" dirty="0" smtClean="0"/>
-              <a:t>, or, </a:t>
-            </a:r>
-            <a:r>
-              <a:rPr lang="en-US" altLang="zh-TW" dirty="0" smtClean="0"/>
-              <a:t>not</a:t>
+              <a:t>and, or, not</a:t>
             </a:r>
           </a:p>
           <a:p>
@@ -4827,11 +4803,7 @@
             </a:r>
             <a:r>
               <a:rPr lang="zh-TW" altLang="en-US" dirty="0" smtClean="0"/>
-              <a:t>如果沒有下雨，就去上</a:t>
-            </a:r>
-            <a:r>
-              <a:rPr lang="zh-TW" altLang="en-US" dirty="0" smtClean="0"/>
-              <a:t>課</a:t>
+              <a:t>如果沒有下雨，就去上課</a:t>
             </a:r>
             <a:endParaRPr lang="en-US" altLang="zh-TW" dirty="0"/>
           </a:p>
@@ -4926,21 +4898,8 @@
             </a:r>
             <a:r>
               <a:rPr lang="en-US" altLang="zh-TW" dirty="0" smtClean="0"/>
-              <a:t>f </a:t>
-            </a:r>
-            <a:r>
-              <a:rPr lang="en-US" altLang="zh-TW" dirty="0" smtClean="0"/>
-              <a:t>(rainy</a:t>
-            </a:r>
-            <a:r>
-              <a:rPr lang="en-US" altLang="zh-TW" dirty="0" smtClean="0"/>
-              <a:t>==</a:t>
-            </a:r>
-            <a:r>
-              <a:rPr lang="en-US" altLang="zh-TW" dirty="0" smtClean="0"/>
-              <a:t>False):</a:t>
-            </a:r>
-            <a:endParaRPr lang="en-US" altLang="zh-TW" dirty="0" smtClean="0"/>
+              <a:t>f (rainy==False):</a:t>
+            </a:r>
           </a:p>
           <a:p>
             <a:pPr marL="0" indent="0">
@@ -4970,7 +4929,6 @@
               <a:rPr lang="en-US" altLang="zh-TW" dirty="0" smtClean="0"/>
               <a:t>)</a:t>
             </a:r>
-            <a:endParaRPr lang="en-US" altLang="zh-TW" dirty="0" smtClean="0"/>
           </a:p>
           <a:p>
             <a:pPr marL="0" indent="0">
@@ -5119,11 +5077,7 @@
             </a:r>
             <a:r>
               <a:rPr lang="zh-TW" altLang="en-US" dirty="0" smtClean="0"/>
-              <a:t>斷</a:t>
-            </a:r>
-            <a:r>
-              <a:rPr lang="zh-TW" altLang="en-US" dirty="0" smtClean="0"/>
-              <a:t>，可以用</a:t>
+              <a:t>斷，可以用</a:t>
             </a:r>
             <a:r>
               <a:rPr lang="zh-TW" altLang="en-US" dirty="0"/>
@@ -5145,11 +5099,7 @@
             </a:pPr>
             <a:r>
               <a:rPr lang="en-US" altLang="zh-TW" dirty="0" smtClean="0"/>
-              <a:t>if </a:t>
-            </a:r>
-            <a:r>
-              <a:rPr lang="en-US" altLang="zh-TW" dirty="0" smtClean="0"/>
-              <a:t>grade &gt;= 80:</a:t>
+              <a:t>if grade &gt;= 80:</a:t>
             </a:r>
           </a:p>
           <a:p>
@@ -5529,11 +5479,7 @@
             </a:r>
             <a:r>
               <a:rPr lang="zh-TW" altLang="en-US" dirty="0" smtClean="0"/>
-              <a:t>，輸出錯誤訊</a:t>
-            </a:r>
-            <a:r>
-              <a:rPr lang="zh-TW" altLang="en-US" dirty="0" smtClean="0"/>
-              <a:t>息</a:t>
+              <a:t>，輸出錯誤訊息</a:t>
             </a:r>
             <a:endParaRPr lang="en-US" altLang="zh-TW" dirty="0" smtClean="0"/>
           </a:p>
@@ -5545,11 +5491,7 @@
             </a:pPr>
             <a:r>
               <a:rPr lang="en-US" altLang="zh-TW" dirty="0" smtClean="0"/>
-              <a:t>3</a:t>
-            </a:r>
-            <a:r>
-              <a:rPr lang="en-US" altLang="zh-TW" dirty="0" smtClean="0"/>
-              <a:t>.</a:t>
+              <a:t>3.</a:t>
             </a:r>
             <a:r>
               <a:rPr lang="zh-TW" altLang="en-US" dirty="0" smtClean="0"/>
@@ -6622,11 +6564,7 @@
             </a:r>
             <a:r>
               <a:rPr lang="zh-TW" altLang="en-US" dirty="0" smtClean="0"/>
-              <a:t> 迴</a:t>
-            </a:r>
-            <a:r>
-              <a:rPr lang="zh-TW" altLang="en-US" dirty="0" smtClean="0"/>
-              <a:t>圈</a:t>
+              <a:t> 迴圈</a:t>
             </a:r>
             <a:r>
               <a:rPr lang="en-US" altLang="zh-TW" dirty="0" smtClean="0"/>
@@ -6834,7 +6772,6 @@
               <a:rPr lang="en-US" altLang="zh-TW" dirty="0" smtClean="0"/>
               <a:t>)</a:t>
             </a:r>
-            <a:endParaRPr lang="en-US" altLang="zh-TW" dirty="0" smtClean="0"/>
           </a:p>
         </p:txBody>
       </p:sp>
@@ -7187,7 +7124,7 @@
           <a:p>
             <a:r>
               <a:rPr lang="zh-TW" altLang="en-US" dirty="0"/>
-              <a:t>練習時間</a:t>
+              <a:t>迴圈</a:t>
             </a:r>
           </a:p>
         </p:txBody>
@@ -7208,83 +7145,54 @@
           <a:lstStyle/>
           <a:p>
             <a:r>
-              <a:rPr lang="zh-TW" altLang="en-US" dirty="0" smtClean="0"/>
-              <a:t>修改上的練習中完成的程式，加入以下功能</a:t>
+              <a:rPr lang="en-US" altLang="zh-TW" dirty="0"/>
+              <a:t>w</a:t>
+            </a:r>
+            <a:r>
+              <a:rPr lang="en-US" altLang="zh-TW" dirty="0" smtClean="0"/>
+              <a:t>hile </a:t>
+            </a:r>
+            <a:r>
+              <a:rPr lang="zh-TW" altLang="en-US" dirty="0" smtClean="0"/>
+              <a:t>迴圈</a:t>
             </a:r>
             <a:endParaRPr lang="en-US" altLang="zh-TW" dirty="0" smtClean="0"/>
           </a:p>
           <a:p>
-            <a:r>
-              <a:rPr lang="en-US" altLang="zh-TW" dirty="0" smtClean="0"/>
-              <a:t>1. </a:t>
-            </a:r>
-            <a:r>
-              <a:rPr lang="zh-TW" altLang="en-US" dirty="0" smtClean="0"/>
-              <a:t>使用者輸入不正確的輸入時，要求使用者再一次輸入，如果累計</a:t>
-            </a:r>
-            <a:r>
-              <a:rPr lang="en-US" altLang="zh-TW" dirty="0" smtClean="0"/>
-              <a:t>5</a:t>
-            </a:r>
-            <a:r>
-              <a:rPr lang="zh-TW" altLang="en-US" dirty="0" smtClean="0"/>
-              <a:t>次輸入錯誤，則輸出錯誤訊息</a:t>
+            <a:pPr marL="0" indent="0">
+              <a:buNone/>
+            </a:pPr>
+            <a:r>
+              <a:rPr lang="en-US" altLang="zh-TW" dirty="0" smtClean="0"/>
+              <a:t>while </a:t>
+            </a:r>
+            <a:r>
+              <a:rPr lang="zh-TW" altLang="en-US" dirty="0" smtClean="0"/>
+              <a:t>判斷條件</a:t>
+            </a:r>
+            <a:r>
+              <a:rPr lang="en-US" altLang="zh-TW" dirty="0" smtClean="0"/>
+              <a:t>:</a:t>
+            </a:r>
+          </a:p>
+          <a:p>
+            <a:pPr marL="0" indent="0">
+              <a:buNone/>
+            </a:pPr>
+            <a:r>
+              <a:rPr lang="en-US" altLang="zh-TW" dirty="0"/>
+              <a:t>	</a:t>
+            </a:r>
+            <a:r>
+              <a:rPr lang="zh-TW" altLang="en-US" dirty="0" smtClean="0"/>
+              <a:t>迴圈內容</a:t>
             </a:r>
             <a:endParaRPr lang="en-US" altLang="zh-TW" dirty="0" smtClean="0"/>
           </a:p>
           <a:p>
             <a:r>
-              <a:rPr lang="en-US" altLang="zh-TW" dirty="0" smtClean="0"/>
-              <a:t>2. </a:t>
-            </a:r>
-            <a:r>
-              <a:rPr lang="zh-TW" altLang="en-US" dirty="0" smtClean="0"/>
-              <a:t>在使用者輸入錯誤時，告知使用者錯誤的次數以及剩餘的機會</a:t>
-            </a:r>
-            <a:r>
-              <a:rPr lang="en-US" altLang="zh-TW" dirty="0" smtClean="0"/>
-              <a:t>(Ex: </a:t>
-            </a:r>
-            <a:r>
-              <a:rPr lang="zh-TW" altLang="en-US" dirty="0" smtClean="0"/>
-              <a:t>輸入錯誤第</a:t>
-            </a:r>
-            <a:r>
-              <a:rPr lang="en-US" altLang="zh-TW" dirty="0" smtClean="0"/>
-              <a:t>3</a:t>
-            </a:r>
-            <a:r>
-              <a:rPr lang="zh-TW" altLang="en-US" dirty="0" smtClean="0"/>
-              <a:t>次，剩餘</a:t>
-            </a:r>
-            <a:r>
-              <a:rPr lang="en-US" altLang="zh-TW" dirty="0" smtClean="0"/>
-              <a:t>2</a:t>
-            </a:r>
-            <a:r>
-              <a:rPr lang="zh-TW" altLang="en-US" dirty="0" smtClean="0"/>
-              <a:t>次機會</a:t>
-            </a:r>
-            <a:r>
-              <a:rPr lang="en-US" altLang="zh-TW" dirty="0" smtClean="0"/>
-              <a:t>)</a:t>
-            </a:r>
-          </a:p>
-          <a:p>
-            <a:r>
-              <a:rPr lang="zh-TW" altLang="en-US" dirty="0" smtClean="0"/>
-              <a:t>提示</a:t>
-            </a:r>
-            <a:r>
-              <a:rPr lang="en-US" altLang="zh-TW" dirty="0" smtClean="0"/>
-              <a:t>:</a:t>
-            </a:r>
-          </a:p>
-          <a:p>
-            <a:pPr lvl="1"/>
-            <a:r>
-              <a:rPr lang="zh-TW" altLang="en-US" dirty="0" smtClean="0"/>
-              <a:t>用</a:t>
+              <a:rPr lang="zh-TW" altLang="en-US" dirty="0" smtClean="0"/>
+              <a:t>只要判斷條件為</a:t>
             </a:r>
             <a:r>
               <a:rPr lang="zh-TW" altLang="en-US" dirty="0"/>
@@ -7292,7 +7200,7 @@
             </a:r>
             <a:r>
               <a:rPr lang="en-US" altLang="zh-TW" dirty="0" smtClean="0"/>
-              <a:t>break</a:t>
+              <a:t>True</a:t>
             </a:r>
             <a:r>
               <a:rPr lang="zh-TW" altLang="en-US" dirty="0"/>
@@ -7300,6 +7208,265 @@
             </a:r>
             <a:r>
               <a:rPr lang="zh-TW" altLang="en-US" dirty="0" smtClean="0"/>
+              <a:t>就會一直</a:t>
+            </a:r>
+            <a:r>
+              <a:rPr lang="zh-TW" altLang="en-US" dirty="0"/>
+              <a:t>執</a:t>
+            </a:r>
+            <a:r>
+              <a:rPr lang="zh-TW" altLang="en-US" dirty="0" smtClean="0"/>
+              <a:t>行下去</a:t>
+            </a:r>
+            <a:endParaRPr lang="en-US" altLang="zh-TW" dirty="0" smtClean="0"/>
+          </a:p>
+          <a:p>
+            <a:r>
+              <a:rPr lang="zh-TW" altLang="en-US" dirty="0" smtClean="0"/>
+              <a:t>判斷條件為</a:t>
+            </a:r>
+            <a:r>
+              <a:rPr lang="zh-TW" altLang="en-US" dirty="0"/>
+              <a:t> </a:t>
+            </a:r>
+            <a:r>
+              <a:rPr lang="en-US" altLang="zh-TW" dirty="0" smtClean="0"/>
+              <a:t>False</a:t>
+            </a:r>
+            <a:r>
+              <a:rPr lang="zh-TW" altLang="en-US" dirty="0"/>
+              <a:t> 就</a:t>
+            </a:r>
+            <a:r>
+              <a:rPr lang="zh-TW" altLang="en-US" dirty="0" smtClean="0"/>
+              <a:t>會</a:t>
+            </a:r>
+            <a:r>
+              <a:rPr lang="zh-TW" altLang="en-US" dirty="0"/>
+              <a:t>終</a:t>
+            </a:r>
+            <a:r>
+              <a:rPr lang="zh-TW" altLang="en-US" dirty="0" smtClean="0"/>
+              <a:t>止</a:t>
+            </a:r>
+            <a:endParaRPr lang="en-US" altLang="zh-TW" dirty="0" smtClean="0"/>
+          </a:p>
+          <a:p>
+            <a:pPr marL="0" indent="0">
+              <a:buNone/>
+            </a:pPr>
+            <a:r>
+              <a:rPr lang="en-US" altLang="zh-TW" dirty="0" err="1"/>
+              <a:t>i</a:t>
+            </a:r>
+            <a:r>
+              <a:rPr lang="en-US" altLang="zh-TW" dirty="0" smtClean="0"/>
+              <a:t> = 0</a:t>
+            </a:r>
+          </a:p>
+          <a:p>
+            <a:pPr marL="0" indent="0">
+              <a:buNone/>
+            </a:pPr>
+            <a:r>
+              <a:rPr lang="en-US" altLang="zh-TW" dirty="0" smtClean="0"/>
+              <a:t>while </a:t>
+            </a:r>
+            <a:r>
+              <a:rPr lang="en-US" altLang="zh-TW" dirty="0" err="1" smtClean="0"/>
+              <a:t>i</a:t>
+            </a:r>
+            <a:r>
+              <a:rPr lang="en-US" altLang="zh-TW" dirty="0" smtClean="0"/>
+              <a:t>&lt;11:</a:t>
+            </a:r>
+          </a:p>
+          <a:p>
+            <a:pPr marL="0" indent="0">
+              <a:buNone/>
+            </a:pPr>
+            <a:r>
+              <a:rPr lang="en-US" altLang="zh-TW" dirty="0"/>
+              <a:t>	</a:t>
+            </a:r>
+            <a:r>
+              <a:rPr lang="en-US" altLang="zh-TW" dirty="0" smtClean="0"/>
+              <a:t>print(</a:t>
+            </a:r>
+            <a:r>
+              <a:rPr lang="en-US" altLang="zh-TW" dirty="0" err="1" smtClean="0"/>
+              <a:t>i</a:t>
+            </a:r>
+            <a:r>
+              <a:rPr lang="en-US" altLang="zh-TW" dirty="0" smtClean="0"/>
+              <a:t>)    </a:t>
+            </a:r>
+          </a:p>
+          <a:p>
+            <a:endParaRPr lang="zh-TW" altLang="en-US" dirty="0"/>
+          </a:p>
+        </p:txBody>
+      </p:sp>
+    </p:spTree>
+    <p:extLst>
+      <p:ext uri="{BB962C8B-B14F-4D97-AF65-F5344CB8AC3E}">
+        <p14:creationId xmlns:p14="http://schemas.microsoft.com/office/powerpoint/2010/main" val="2442307499"/>
+      </p:ext>
+    </p:extLst>
+  </p:cSld>
+  <p:clrMapOvr>
+    <a:masterClrMapping/>
+  </p:clrMapOvr>
+</p:sld>
+</file>
+
+<file path=ppt/slides/slide28.xml><?xml version="1.0" encoding="utf-8"?>
+<p:sld xmlns:a="http://schemas.openxmlformats.org/drawingml/2006/main" xmlns:r="http://schemas.openxmlformats.org/officeDocument/2006/relationships" xmlns:p="http://schemas.openxmlformats.org/presentationml/2006/main">
+  <p:cSld>
+    <p:spTree>
+      <p:nvGrpSpPr>
+        <p:cNvPr id="1" name=""/>
+        <p:cNvGrpSpPr/>
+        <p:nvPr/>
+      </p:nvGrpSpPr>
+      <p:grpSpPr>
+        <a:xfrm>
+          <a:off x="0" y="0"/>
+          <a:ext cx="0" cy="0"/>
+          <a:chOff x="0" y="0"/>
+          <a:chExt cx="0" cy="0"/>
+        </a:xfrm>
+      </p:grpSpPr>
+      <p:sp>
+        <p:nvSpPr>
+          <p:cNvPr id="2" name="Title 1"/>
+          <p:cNvSpPr>
+            <a:spLocks noGrp="1"/>
+          </p:cNvSpPr>
+          <p:nvPr>
+            <p:ph type="title"/>
+          </p:nvPr>
+        </p:nvSpPr>
+        <p:spPr/>
+        <p:txBody>
+          <a:bodyPr/>
+          <a:lstStyle/>
+          <a:p>
+            <a:r>
+              <a:rPr lang="zh-TW" altLang="en-US" dirty="0"/>
+              <a:t>練習時間</a:t>
+            </a:r>
+          </a:p>
+        </p:txBody>
+      </p:sp>
+      <p:sp>
+        <p:nvSpPr>
+          <p:cNvPr id="3" name="Content Placeholder 2"/>
+          <p:cNvSpPr>
+            <a:spLocks noGrp="1"/>
+          </p:cNvSpPr>
+          <p:nvPr>
+            <p:ph idx="1"/>
+          </p:nvPr>
+        </p:nvSpPr>
+        <p:spPr/>
+        <p:txBody>
+          <a:bodyPr/>
+          <a:lstStyle/>
+          <a:p>
+            <a:r>
+              <a:rPr lang="zh-TW" altLang="en-US" dirty="0" smtClean="0"/>
+              <a:t>修改上的練習中完成的程式，加入以下功能</a:t>
+            </a:r>
+            <a:endParaRPr lang="en-US" altLang="zh-TW" dirty="0" smtClean="0"/>
+          </a:p>
+          <a:p>
+            <a:r>
+              <a:rPr lang="en-US" altLang="zh-TW" dirty="0" smtClean="0"/>
+              <a:t>1. </a:t>
+            </a:r>
+            <a:r>
+              <a:rPr lang="zh-TW" altLang="en-US" dirty="0" smtClean="0"/>
+              <a:t>使用者輸入不正確的輸入時，要求使用者再一次輸入，如果累計</a:t>
+            </a:r>
+            <a:r>
+              <a:rPr lang="en-US" altLang="zh-TW" dirty="0" smtClean="0"/>
+              <a:t>5</a:t>
+            </a:r>
+            <a:r>
+              <a:rPr lang="zh-TW" altLang="en-US" dirty="0" smtClean="0"/>
+              <a:t>次輸入錯誤，則輸出錯誤訊息</a:t>
+            </a:r>
+            <a:endParaRPr lang="en-US" altLang="zh-TW" dirty="0" smtClean="0"/>
+          </a:p>
+          <a:p>
+            <a:r>
+              <a:rPr lang="en-US" altLang="zh-TW" dirty="0" smtClean="0"/>
+              <a:t>2. </a:t>
+            </a:r>
+            <a:r>
+              <a:rPr lang="zh-TW" altLang="en-US" dirty="0" smtClean="0"/>
+              <a:t>在使用者輸入錯誤時，告知使用者錯誤的次數以及剩餘的機會</a:t>
+            </a:r>
+            <a:r>
+              <a:rPr lang="en-US" altLang="zh-TW" dirty="0" smtClean="0"/>
+              <a:t>(Ex: </a:t>
+            </a:r>
+            <a:r>
+              <a:rPr lang="zh-TW" altLang="en-US" dirty="0" smtClean="0"/>
+              <a:t>輸入錯誤第</a:t>
+            </a:r>
+            <a:r>
+              <a:rPr lang="en-US" altLang="zh-TW" dirty="0" smtClean="0"/>
+              <a:t>3</a:t>
+            </a:r>
+            <a:r>
+              <a:rPr lang="zh-TW" altLang="en-US" dirty="0" smtClean="0"/>
+              <a:t>次，剩餘</a:t>
+            </a:r>
+            <a:r>
+              <a:rPr lang="en-US" altLang="zh-TW" dirty="0" smtClean="0"/>
+              <a:t>2</a:t>
+            </a:r>
+            <a:r>
+              <a:rPr lang="zh-TW" altLang="en-US" dirty="0" smtClean="0"/>
+              <a:t>次機會</a:t>
+            </a:r>
+            <a:r>
+              <a:rPr lang="en-US" altLang="zh-TW" dirty="0" smtClean="0"/>
+              <a:t>)</a:t>
+            </a:r>
+          </a:p>
+          <a:p>
+            <a:r>
+              <a:rPr lang="zh-TW" altLang="en-US" dirty="0" smtClean="0"/>
+              <a:t>提示</a:t>
+            </a:r>
+            <a:r>
+              <a:rPr lang="en-US" altLang="zh-TW" dirty="0" smtClean="0"/>
+              <a:t>:</a:t>
+            </a:r>
+          </a:p>
+          <a:p>
+            <a:pPr lvl="1"/>
+            <a:r>
+              <a:rPr lang="zh-TW" altLang="en-US" dirty="0" smtClean="0"/>
+              <a:t>用</a:t>
+            </a:r>
+            <a:r>
+              <a:rPr lang="zh-TW" altLang="en-US" dirty="0"/>
+              <a:t> </a:t>
+            </a:r>
+            <a:r>
+              <a:rPr lang="en-US" altLang="zh-TW" dirty="0" smtClean="0"/>
+              <a:t>break</a:t>
+            </a:r>
+            <a:r>
+              <a:rPr lang="zh-TW" altLang="en-US" dirty="0"/>
+              <a:t> </a:t>
+            </a:r>
+            <a:r>
+              <a:rPr lang="zh-TW" altLang="en-US" dirty="0" smtClean="0"/>
               <a:t>讓</a:t>
             </a:r>
             <a:r>
@@ -7338,7 +7505,6 @@
               <a:rPr lang="zh-TW" altLang="en-US" dirty="0"/>
               <a:t>迴圈</a:t>
             </a:r>
-            <a:endParaRPr lang="zh-TW" altLang="en-US" dirty="0"/>
           </a:p>
         </p:txBody>
       </p:sp>
@@ -7362,7 +7528,7 @@
 </p:sld>
 </file>
 
-<file path=ppt/slides/slide28.xml><?xml version="1.0" encoding="utf-8"?>
+<file path=ppt/slides/slide29.xml><?xml version="1.0" encoding="utf-8"?>
 <p:sld xmlns:a="http://schemas.openxmlformats.org/drawingml/2006/main" xmlns:r="http://schemas.openxmlformats.org/officeDocument/2006/relationships" xmlns:p="http://schemas.openxmlformats.org/presentationml/2006/main">
   <p:cSld>
     <p:spTree>
@@ -7550,255 +7716,6 @@
 </p:sld>
 </file>
 
-<file path=ppt/slides/slide29.xml><?xml version="1.0" encoding="utf-8"?>
-<p:sld xmlns:a="http://schemas.openxmlformats.org/drawingml/2006/main" xmlns:r="http://schemas.openxmlformats.org/officeDocument/2006/relationships" xmlns:p="http://schemas.openxmlformats.org/presentationml/2006/main">
-  <p:cSld>
-    <p:spTree>
-      <p:nvGrpSpPr>
-        <p:cNvPr id="1" name=""/>
-        <p:cNvGrpSpPr/>
-        <p:nvPr/>
-      </p:nvGrpSpPr>
-      <p:grpSpPr>
-        <a:xfrm>
-          <a:off x="0" y="0"/>
-          <a:ext cx="0" cy="0"/>
-          <a:chOff x="0" y="0"/>
-          <a:chExt cx="0" cy="0"/>
-        </a:xfrm>
-      </p:grpSpPr>
-      <p:sp>
-        <p:nvSpPr>
-          <p:cNvPr id="2" name="Title 1"/>
-          <p:cNvSpPr>
-            <a:spLocks noGrp="1"/>
-          </p:cNvSpPr>
-          <p:nvPr>
-            <p:ph type="title"/>
-          </p:nvPr>
-        </p:nvSpPr>
-        <p:spPr/>
-        <p:txBody>
-          <a:bodyPr/>
-          <a:lstStyle/>
-          <a:p>
-            <a:r>
-              <a:rPr lang="en-US" altLang="zh-TW" dirty="0" smtClean="0"/>
-              <a:t>List</a:t>
-            </a:r>
-            <a:endParaRPr lang="zh-TW" altLang="en-US" dirty="0"/>
-          </a:p>
-        </p:txBody>
-      </p:sp>
-      <p:sp>
-        <p:nvSpPr>
-          <p:cNvPr id="3" name="Content Placeholder 2"/>
-          <p:cNvSpPr>
-            <a:spLocks noGrp="1"/>
-          </p:cNvSpPr>
-          <p:nvPr>
-            <p:ph idx="1"/>
-          </p:nvPr>
-        </p:nvSpPr>
-        <p:spPr/>
-        <p:txBody>
-          <a:bodyPr>
-            <a:normAutofit lnSpcReduction="10000"/>
-          </a:bodyPr>
-          <a:lstStyle/>
-          <a:p>
-            <a:r>
-              <a:rPr lang="zh-TW" altLang="en-US" dirty="0" smtClean="0"/>
-              <a:t>如何儲存許多的資料</a:t>
-            </a:r>
-            <a:r>
-              <a:rPr lang="en-US" altLang="zh-TW" dirty="0" smtClean="0"/>
-              <a:t>?</a:t>
-            </a:r>
-          </a:p>
-          <a:p>
-            <a:pPr marL="0" indent="0">
-              <a:buNone/>
-            </a:pPr>
-            <a:r>
-              <a:rPr lang="en-US" altLang="zh-TW" dirty="0" err="1" smtClean="0"/>
-              <a:t>prime_number</a:t>
-            </a:r>
-            <a:r>
-              <a:rPr lang="en-US" altLang="zh-TW" dirty="0" smtClean="0"/>
-              <a:t> = [2,3,5,7,11,13]</a:t>
-            </a:r>
-          </a:p>
-          <a:p>
-            <a:pPr marL="0" indent="0">
-              <a:buNone/>
-            </a:pPr>
-            <a:r>
-              <a:rPr lang="en-US" altLang="zh-TW" dirty="0"/>
-              <a:t>f</a:t>
-            </a:r>
-            <a:r>
-              <a:rPr lang="en-US" altLang="zh-TW" dirty="0" smtClean="0"/>
-              <a:t>ood = </a:t>
-            </a:r>
-            <a:r>
-              <a:rPr lang="en-US" altLang="zh-TW" dirty="0"/>
-              <a:t>[</a:t>
-            </a:r>
-            <a:r>
-              <a:rPr lang="en-US" altLang="zh-TW" dirty="0" smtClean="0"/>
-              <a:t>'burger</a:t>
-            </a:r>
-            <a:r>
-              <a:rPr lang="en-US" altLang="zh-TW" dirty="0"/>
-              <a:t>', </a:t>
-            </a:r>
-            <a:r>
-              <a:rPr lang="en-US" altLang="zh-TW" dirty="0" smtClean="0"/>
-              <a:t>'rice</a:t>
-            </a:r>
-            <a:r>
-              <a:rPr lang="en-US" altLang="zh-TW" dirty="0"/>
-              <a:t>', </a:t>
-            </a:r>
-            <a:r>
-              <a:rPr lang="en-US" altLang="zh-TW" dirty="0" smtClean="0"/>
-              <a:t>'noodle</a:t>
-            </a:r>
-            <a:r>
-              <a:rPr lang="en-US" altLang="zh-TW" dirty="0"/>
-              <a:t>']</a:t>
-            </a:r>
-            <a:endParaRPr lang="en-US" altLang="zh-TW" dirty="0" smtClean="0"/>
-          </a:p>
-          <a:p>
-            <a:pPr marL="0" indent="0">
-              <a:buNone/>
-            </a:pPr>
-            <a:r>
-              <a:rPr lang="en-US" altLang="zh-TW" dirty="0"/>
-              <a:t>m</a:t>
-            </a:r>
-            <a:r>
-              <a:rPr lang="en-US" altLang="zh-TW" dirty="0" smtClean="0"/>
-              <a:t>ix = [123, '</a:t>
-            </a:r>
-            <a:r>
-              <a:rPr lang="en-US" altLang="zh-TW" dirty="0" err="1" smtClean="0"/>
-              <a:t>hahaha</a:t>
-            </a:r>
-            <a:r>
-              <a:rPr lang="en-US" altLang="zh-TW" dirty="0"/>
-              <a:t>', </a:t>
-            </a:r>
-            <a:r>
-              <a:rPr lang="en-US" altLang="zh-TW" dirty="0" smtClean="0"/>
-              <a:t>3.14159]</a:t>
-            </a:r>
-          </a:p>
-          <a:p>
-            <a:r>
-              <a:rPr lang="zh-TW" altLang="en-US" dirty="0" smtClean="0"/>
-              <a:t>存取</a:t>
-            </a:r>
-            <a:r>
-              <a:rPr lang="en-US" altLang="zh-TW" dirty="0" smtClean="0"/>
-              <a:t>list</a:t>
-            </a:r>
-            <a:r>
-              <a:rPr lang="zh-TW" altLang="en-US" dirty="0" smtClean="0"/>
-              <a:t>中某個值</a:t>
-            </a:r>
-            <a:endParaRPr lang="en-US" altLang="zh-TW" dirty="0" smtClean="0"/>
-          </a:p>
-          <a:p>
-            <a:pPr marL="0" indent="0">
-              <a:buNone/>
-            </a:pPr>
-            <a:r>
-              <a:rPr lang="en-US" altLang="zh-TW" dirty="0" smtClean="0"/>
-              <a:t>print(</a:t>
-            </a:r>
-            <a:r>
-              <a:rPr lang="en-US" altLang="zh-TW" dirty="0" err="1" smtClean="0"/>
-              <a:t>prime_number</a:t>
-            </a:r>
-            <a:r>
-              <a:rPr lang="en-US" altLang="zh-TW" dirty="0" smtClean="0"/>
-              <a:t>[</a:t>
-            </a:r>
-            <a:r>
-              <a:rPr lang="en-US" altLang="zh-TW" dirty="0" smtClean="0">
-                <a:solidFill>
-                  <a:srgbClr val="FF0000"/>
-                </a:solidFill>
-              </a:rPr>
-              <a:t>0</a:t>
-            </a:r>
-            <a:r>
-              <a:rPr lang="en-US" altLang="zh-TW" dirty="0" smtClean="0"/>
-              <a:t>])</a:t>
-            </a:r>
-          </a:p>
-          <a:p>
-            <a:pPr marL="0" indent="0">
-              <a:buNone/>
-            </a:pPr>
-            <a:r>
-              <a:rPr lang="en-US" altLang="zh-TW" dirty="0" smtClean="0"/>
-              <a:t>mix[2] = 2.14</a:t>
-            </a:r>
-          </a:p>
-          <a:p>
-            <a:pPr marL="0" indent="0">
-              <a:buNone/>
-            </a:pPr>
-            <a:r>
-              <a:rPr lang="en-US" altLang="zh-TW" dirty="0"/>
-              <a:t>f</a:t>
-            </a:r>
-            <a:r>
-              <a:rPr lang="en-US" altLang="zh-TW" dirty="0" smtClean="0"/>
-              <a:t>ood[1] = mix[1</a:t>
-            </a:r>
-            <a:r>
-              <a:rPr lang="en-US" altLang="zh-TW" dirty="0" smtClean="0"/>
-              <a:t>]</a:t>
-            </a:r>
-          </a:p>
-          <a:p>
-            <a:r>
-              <a:rPr lang="en-US" altLang="zh-TW" dirty="0" smtClean="0"/>
-              <a:t>List </a:t>
-            </a:r>
-            <a:r>
-              <a:rPr lang="zh-TW" altLang="en-US" dirty="0" smtClean="0"/>
-              <a:t>的操作參考 附錄四</a:t>
-            </a:r>
-            <a:endParaRPr lang="zh-TW" altLang="en-US" dirty="0"/>
-          </a:p>
-        </p:txBody>
-      </p:sp>
-    </p:spTree>
-    <p:extLst>
-      <p:ext uri="{BB962C8B-B14F-4D97-AF65-F5344CB8AC3E}">
-        <p14:creationId xmlns:p14="http://schemas.microsoft.com/office/powerpoint/2010/main" val="294860665"/>
-      </p:ext>
-    </p:extLst>
-  </p:cSld>
-  <p:clrMapOvr>
-    <a:masterClrMapping/>
-  </p:clrMapOvr>
-  <p:timing>
-    <p:tnLst>
-      <p:par>
-        <p:cTn id="1" dur="indefinite" restart="never" nodeType="tmRoot"/>
-      </p:par>
-    </p:tnLst>
-  </p:timing>
-</p:sld>
-</file>
-
 <file path=ppt/slides/slide3.xml><?xml version="1.0" encoding="utf-8"?>
 <p:sld xmlns:a="http://schemas.openxmlformats.org/drawingml/2006/main" xmlns:r="http://schemas.openxmlformats.org/officeDocument/2006/relationships" xmlns:p="http://schemas.openxmlformats.org/presentationml/2006/main">
   <p:cSld>
@@ -8069,8 +7986,8 @@
           <a:lstStyle/>
           <a:p>
             <a:r>
-              <a:rPr lang="zh-TW" altLang="en-US" dirty="0" smtClean="0"/>
-              <a:t>註解</a:t>
+              <a:rPr lang="en-US" altLang="zh-TW" dirty="0" smtClean="0"/>
+              <a:t>List</a:t>
             </a:r>
             <a:endParaRPr lang="zh-TW" altLang="en-US" dirty="0"/>
           </a:p>
@@ -8095,67 +8012,65 @@
           <a:p>
             <a:r>
               <a:rPr lang="zh-TW" altLang="en-US" dirty="0" smtClean="0"/>
-              <a:t>讓別人看得懂自己寫的 </a:t>
-            </a:r>
-            <a:r>
-              <a:rPr lang="en-US" altLang="zh-TW" dirty="0" smtClean="0"/>
-              <a:t>Code</a:t>
-            </a:r>
-          </a:p>
-          <a:p>
-            <a:r>
-              <a:rPr lang="zh-TW" altLang="en-US" dirty="0" smtClean="0"/>
-              <a:t>方便</a:t>
-            </a:r>
-            <a:r>
-              <a:rPr lang="zh-TW" altLang="en-US" dirty="0"/>
-              <a:t>自</a:t>
-            </a:r>
-            <a:r>
-              <a:rPr lang="zh-TW" altLang="en-US" dirty="0" smtClean="0"/>
-              <a:t>己</a:t>
-            </a:r>
-            <a:r>
-              <a:rPr lang="zh-TW" altLang="en-US" dirty="0"/>
-              <a:t> </a:t>
-            </a:r>
-            <a:r>
-              <a:rPr lang="en-US" altLang="zh-TW" dirty="0" smtClean="0"/>
-              <a:t>debug</a:t>
-            </a:r>
-            <a:r>
-              <a:rPr lang="zh-TW" altLang="en-US" dirty="0"/>
-              <a:t> </a:t>
-            </a:r>
-            <a:r>
-              <a:rPr lang="en-US" altLang="zh-TW" dirty="0" smtClean="0"/>
-              <a:t>(</a:t>
-            </a:r>
-            <a:r>
-              <a:rPr lang="zh-TW" altLang="en-US" dirty="0" smtClean="0"/>
-              <a:t>除</a:t>
-            </a:r>
-            <a:r>
-              <a:rPr lang="zh-TW" altLang="en-US" dirty="0"/>
-              <a:t>錯</a:t>
-            </a:r>
-            <a:r>
-              <a:rPr lang="en-US" altLang="zh-TW" dirty="0" smtClean="0"/>
-              <a:t>)</a:t>
-            </a:r>
-          </a:p>
-          <a:p>
-            <a:r>
-              <a:rPr lang="zh-TW" altLang="en-US" dirty="0" smtClean="0"/>
-              <a:t>單行的</a:t>
-            </a:r>
-            <a:r>
-              <a:rPr lang="zh-TW" altLang="en-US" dirty="0"/>
-              <a:t>註</a:t>
-            </a:r>
-            <a:r>
-              <a:rPr lang="zh-TW" altLang="en-US" dirty="0" smtClean="0"/>
-              <a:t>解</a:t>
+              <a:t>如何儲存許多的資料</a:t>
+            </a:r>
+            <a:r>
+              <a:rPr lang="en-US" altLang="zh-TW" dirty="0" smtClean="0"/>
+              <a:t>?</a:t>
+            </a:r>
+          </a:p>
+          <a:p>
+            <a:pPr marL="0" indent="0">
+              <a:buNone/>
+            </a:pPr>
+            <a:r>
+              <a:rPr lang="en-US" altLang="zh-TW" dirty="0" err="1" smtClean="0"/>
+              <a:t>prime_number</a:t>
+            </a:r>
+            <a:r>
+              <a:rPr lang="en-US" altLang="zh-TW" dirty="0" smtClean="0"/>
+              <a:t> = [2,3,5,7,11,13]</a:t>
+            </a:r>
+          </a:p>
+          <a:p>
+            <a:pPr marL="0" indent="0">
+              <a:buNone/>
+            </a:pPr>
+            <a:r>
+              <a:rPr lang="en-US" altLang="zh-TW" dirty="0"/>
+              <a:t>f</a:t>
+            </a:r>
+            <a:r>
+              <a:rPr lang="en-US" altLang="zh-TW" dirty="0" smtClean="0"/>
+              <a:t>ood = </a:t>
+            </a:r>
+            <a:r>
+              <a:rPr lang="en-US" altLang="zh-TW" dirty="0"/>
+              <a:t>[</a:t>
+            </a:r>
+            <a:r>
+              <a:rPr lang="en-US" altLang="zh-TW" dirty="0" smtClean="0"/>
+              <a:t>'burger</a:t>
+            </a:r>
+            <a:r>
+              <a:rPr lang="en-US" altLang="zh-TW" dirty="0"/>
+              <a:t>', </a:t>
+            </a:r>
+            <a:r>
+              <a:rPr lang="en-US" altLang="zh-TW" dirty="0" smtClean="0"/>
+              <a:t>'rice</a:t>
+            </a:r>
+            <a:r>
+              <a:rPr lang="en-US" altLang="zh-TW" dirty="0"/>
+              <a:t>', </a:t>
+            </a:r>
+            <a:r>
+              <a:rPr lang="en-US" altLang="zh-TW" dirty="0" smtClean="0"/>
+              <a:t>'noodle</a:t>
+            </a:r>
+            <a:r>
+              <a:rPr lang="en-US" altLang="zh-TW" dirty="0"/>
+              <a:t>']</a:t>
             </a:r>
             <a:endParaRPr lang="en-US" altLang="zh-TW" dirty="0" smtClean="0"/>
           </a:p>
@@ -8164,30 +8079,69 @@
               <a:buNone/>
             </a:pPr>
             <a:r>
-              <a:rPr lang="en-US" altLang="zh-TW" dirty="0" smtClean="0"/>
-              <a:t>#This is a comment example</a:t>
-            </a:r>
+              <a:rPr lang="en-US" altLang="zh-TW" dirty="0"/>
+              <a:t>m</a:t>
+            </a:r>
+            <a:r>
+              <a:rPr lang="en-US" altLang="zh-TW" dirty="0" smtClean="0"/>
+              <a:t>ix = [123, '</a:t>
+            </a:r>
+            <a:r>
+              <a:rPr lang="en-US" altLang="zh-TW" dirty="0" err="1" smtClean="0"/>
+              <a:t>hahaha</a:t>
+            </a:r>
+            <a:r>
+              <a:rPr lang="en-US" altLang="zh-TW" dirty="0"/>
+              <a:t>', </a:t>
+            </a:r>
+            <a:r>
+              <a:rPr lang="en-US" altLang="zh-TW" dirty="0" smtClean="0"/>
+              <a:t>3.14159]</a:t>
+            </a:r>
+          </a:p>
+          <a:p>
+            <a:r>
+              <a:rPr lang="zh-TW" altLang="en-US" dirty="0" smtClean="0"/>
+              <a:t>存取</a:t>
+            </a:r>
+            <a:r>
+              <a:rPr lang="en-US" altLang="zh-TW" dirty="0" smtClean="0"/>
+              <a:t>list</a:t>
+            </a:r>
+            <a:r>
+              <a:rPr lang="zh-TW" altLang="en-US" dirty="0" smtClean="0"/>
+              <a:t>中某個值</a:t>
+            </a:r>
+            <a:endParaRPr lang="en-US" altLang="zh-TW" dirty="0" smtClean="0"/>
           </a:p>
           <a:p>
             <a:pPr marL="0" indent="0">
               <a:buNone/>
             </a:pPr>
-            <a:endParaRPr lang="en-US" altLang="zh-TW" dirty="0" smtClean="0"/>
-          </a:p>
-          <a:p>
-            <a:r>
-              <a:rPr lang="zh-TW" altLang="en-US" dirty="0" smtClean="0"/>
-              <a:t>一段</a:t>
-            </a:r>
-            <a:r>
-              <a:rPr lang="zh-TW" altLang="en-US" dirty="0"/>
-              <a:t>註</a:t>
-            </a:r>
-            <a:r>
-              <a:rPr lang="zh-TW" altLang="en-US" dirty="0" smtClean="0"/>
-              <a:t>解</a:t>
-            </a:r>
-            <a:endParaRPr lang="en-US" altLang="zh-TW" dirty="0" smtClean="0"/>
+            <a:r>
+              <a:rPr lang="en-US" altLang="zh-TW" dirty="0" smtClean="0"/>
+              <a:t>print(</a:t>
+            </a:r>
+            <a:r>
+              <a:rPr lang="en-US" altLang="zh-TW" dirty="0" err="1" smtClean="0"/>
+              <a:t>prime_number</a:t>
+            </a:r>
+            <a:r>
+              <a:rPr lang="en-US" altLang="zh-TW" dirty="0" smtClean="0"/>
+              <a:t>[</a:t>
+            </a:r>
+            <a:r>
+              <a:rPr lang="en-US" altLang="zh-TW" dirty="0" smtClean="0">
+                <a:solidFill>
+                  <a:srgbClr val="FF0000"/>
+                </a:solidFill>
+              </a:rPr>
+              <a:t>0</a:t>
+            </a:r>
+            <a:r>
+              <a:rPr lang="en-US" altLang="zh-TW" dirty="0" smtClean="0"/>
+              <a:t>])</a:t>
+            </a:r>
           </a:p>
           <a:p>
             <a:pPr marL="0" indent="0">
@@ -8195,7 +8149,7 @@
             </a:pPr>
             <a:r>
               <a:rPr lang="en-US" altLang="zh-TW" dirty="0" smtClean="0"/>
-              <a:t>"""</a:t>
+              <a:t>mix[2] = 2.14</a:t>
             </a:r>
           </a:p>
           <a:p>
@@ -8203,18 +8157,22 @@
               <a:buNone/>
             </a:pPr>
             <a:r>
-              <a:rPr lang="en-US" altLang="zh-TW" dirty="0" smtClean="0"/>
-              <a:t>This is a comment example</a:t>
-            </a:r>
-            <a:endParaRPr lang="en-US" altLang="zh-TW" dirty="0"/>
-          </a:p>
-          <a:p>
-            <a:pPr marL="0" indent="0">
-              <a:buNone/>
-            </a:pPr>
-            <a:r>
               <a:rPr lang="en-US" altLang="zh-TW" dirty="0"/>
-              <a:t>"""</a:t>
+              <a:t>f</a:t>
+            </a:r>
+            <a:r>
+              <a:rPr lang="en-US" altLang="zh-TW" dirty="0" smtClean="0"/>
+              <a:t>ood[1] = mix[1]</a:t>
+            </a:r>
+          </a:p>
+          <a:p>
+            <a:r>
+              <a:rPr lang="en-US" altLang="zh-TW" dirty="0" smtClean="0"/>
+              <a:t>List </a:t>
+            </a:r>
+            <a:r>
+              <a:rPr lang="zh-TW" altLang="en-US" dirty="0" smtClean="0"/>
+              <a:t>的操作參考 附錄四</a:t>
             </a:r>
             <a:endParaRPr lang="zh-TW" altLang="en-US" dirty="0"/>
           </a:p>
@@ -8223,13 +8181,20 @@
     </p:spTree>
     <p:extLst>
       <p:ext uri="{BB962C8B-B14F-4D97-AF65-F5344CB8AC3E}">
-        <p14:creationId xmlns:p14="http://schemas.microsoft.com/office/powerpoint/2010/main" val="3105552643"/>
+        <p14:creationId xmlns:p14="http://schemas.microsoft.com/office/powerpoint/2010/main" val="294860665"/>
       </p:ext>
     </p:extLst>
   </p:cSld>
   <p:clrMapOvr>
     <a:masterClrMapping/>
   </p:clrMapOvr>
+  <p:timing>
+    <p:tnLst>
+      <p:par>
+        <p:cTn id="1" dur="indefinite" restart="never" nodeType="tmRoot"/>
+      </p:par>
+    </p:tnLst>
+  </p:timing>
 </p:sld>
 </file>
 
@@ -8267,11 +8232,7 @@
           <a:p>
             <a:r>
               <a:rPr lang="zh-TW" altLang="en-US" dirty="0" smtClean="0"/>
-              <a:t>類別 </a:t>
-            </a:r>
-            <a:r>
-              <a:rPr lang="en-US" altLang="zh-TW" dirty="0" smtClean="0"/>
-              <a:t>(Class) </a:t>
+              <a:t>註解</a:t>
             </a:r>
             <a:endParaRPr lang="zh-TW" altLang="en-US" dirty="0"/>
           </a:p>
@@ -8289,70 +8250,24 @@
         </p:nvSpPr>
         <p:spPr/>
         <p:txBody>
-          <a:bodyPr/>
+          <a:bodyPr>
+            <a:normAutofit lnSpcReduction="10000"/>
+          </a:bodyPr>
           <a:lstStyle/>
           <a:p>
             <a:r>
-              <a:rPr lang="en-US" altLang="zh-TW" dirty="0" smtClean="0"/>
-              <a:t>class</a:t>
-            </a:r>
-            <a:r>
-              <a:rPr lang="zh-TW" altLang="en-US" dirty="0" smtClean="0"/>
-              <a:t>，</a:t>
-            </a:r>
-            <a:r>
-              <a:rPr lang="zh-TW" altLang="en-US" dirty="0"/>
-              <a:t>就是像一個模組，可以產出具有相似特性的實體</a:t>
-            </a:r>
-            <a:r>
-              <a:rPr lang="en-US" altLang="zh-TW" dirty="0"/>
-              <a:t>(</a:t>
-            </a:r>
-            <a:r>
-              <a:rPr lang="zh-TW" altLang="en-US" dirty="0"/>
-              <a:t>物件</a:t>
-            </a:r>
-            <a:r>
-              <a:rPr lang="en-US" altLang="zh-TW" dirty="0"/>
-              <a:t>)</a:t>
-            </a:r>
-          </a:p>
-          <a:p>
-            <a:r>
-              <a:rPr lang="zh-TW" altLang="en-US" dirty="0" smtClean="0"/>
-              <a:t>例如</a:t>
-            </a:r>
-            <a:r>
-              <a:rPr lang="en-US" altLang="zh-TW" dirty="0" smtClean="0"/>
-              <a:t>:</a:t>
-            </a:r>
-            <a:r>
-              <a:rPr lang="zh-TW" altLang="en-US" dirty="0" smtClean="0"/>
-              <a:t>狗的類別</a:t>
-            </a:r>
-            <a:endParaRPr lang="en-US" altLang="zh-TW" dirty="0" smtClean="0"/>
-          </a:p>
-          <a:p>
-            <a:pPr lvl="1"/>
-            <a:r>
-              <a:rPr lang="zh-TW" altLang="en-US" dirty="0" smtClean="0"/>
-              <a:t>有四隻腳</a:t>
-            </a:r>
-            <a:endParaRPr lang="en-US" altLang="zh-TW" dirty="0" smtClean="0"/>
-          </a:p>
-          <a:p>
-            <a:pPr lvl="1"/>
-            <a:r>
-              <a:rPr lang="zh-TW" altLang="en-US" dirty="0" smtClean="0"/>
-              <a:t>會叫</a:t>
-            </a:r>
-            <a:endParaRPr lang="en-US" altLang="zh-TW" dirty="0" smtClean="0"/>
-          </a:p>
-          <a:p>
-            <a:pPr lvl="1"/>
-            <a:r>
-              <a:rPr lang="zh-TW" altLang="en-US" dirty="0" smtClean="0"/>
-              <a:t>每隻狗有</a:t>
+              <a:rPr lang="zh-TW" altLang="en-US" dirty="0" smtClean="0"/>
+              <a:t>讓別人看得懂自己寫的 </a:t>
+            </a:r>
+            <a:r>
+              <a:rPr lang="en-US" altLang="zh-TW" dirty="0" smtClean="0"/>
+              <a:t>Code</a:t>
+            </a:r>
+          </a:p>
+          <a:p>
+            <a:r>
+              <a:rPr lang="zh-TW" altLang="en-US" dirty="0" smtClean="0"/>
+              <a:t>方便</a:t>
             </a:r>
             <a:r>
               <a:rPr lang="zh-TW" altLang="en-US" dirty="0"/>
@@ -8360,22 +8275,7 @@
             </a:r>
             <a:r>
               <a:rPr lang="zh-TW" altLang="en-US" dirty="0" smtClean="0"/>
-              <a:t>己的名字、長的</a:t>
-            </a:r>
-            <a:r>
-              <a:rPr lang="zh-TW" altLang="en-US" dirty="0"/>
-              <a:t>不</a:t>
-            </a:r>
-            <a:r>
-              <a:rPr lang="zh-TW" altLang="en-US" dirty="0" smtClean="0"/>
-              <a:t>一樣</a:t>
-            </a:r>
-            <a:endParaRPr lang="en-US" altLang="zh-TW" dirty="0" smtClean="0"/>
-          </a:p>
-          <a:p>
-            <a:r>
-              <a:rPr lang="zh-TW" altLang="en-US" dirty="0" smtClean="0"/>
-              <a:t>同一個</a:t>
+              <a:t>己</a:t>
             </a:r>
             <a:r>
               <a:rPr lang="zh-TW" altLang="en-US" dirty="0"/>
@@ -8383,15 +8283,100 @@
             </a:r>
             <a:r>
               <a:rPr lang="en-US" altLang="zh-TW" dirty="0" smtClean="0"/>
-              <a:t>Class</a:t>
+              <a:t>debug</a:t>
             </a:r>
             <a:r>
               <a:rPr lang="zh-TW" altLang="en-US" dirty="0"/>
               <a:t> </a:t>
             </a:r>
             <a:r>
-              <a:rPr lang="zh-TW" altLang="en-US" dirty="0" smtClean="0"/>
-              <a:t>的物件，有相似的屬性、函數，但是也有不同的參數</a:t>
+              <a:rPr lang="en-US" altLang="zh-TW" dirty="0" smtClean="0"/>
+              <a:t>(</a:t>
+            </a:r>
+            <a:r>
+              <a:rPr lang="zh-TW" altLang="en-US" dirty="0" smtClean="0"/>
+              <a:t>除</a:t>
+            </a:r>
+            <a:r>
+              <a:rPr lang="zh-TW" altLang="en-US" dirty="0"/>
+              <a:t>錯</a:t>
+            </a:r>
+            <a:r>
+              <a:rPr lang="en-US" altLang="zh-TW" dirty="0" smtClean="0"/>
+              <a:t>)</a:t>
+            </a:r>
+          </a:p>
+          <a:p>
+            <a:r>
+              <a:rPr lang="zh-TW" altLang="en-US" dirty="0" smtClean="0"/>
+              <a:t>單行的</a:t>
+            </a:r>
+            <a:r>
+              <a:rPr lang="zh-TW" altLang="en-US" dirty="0"/>
+              <a:t>註</a:t>
+            </a:r>
+            <a:r>
+              <a:rPr lang="zh-TW" altLang="en-US" dirty="0" smtClean="0"/>
+              <a:t>解</a:t>
+            </a:r>
+            <a:endParaRPr lang="en-US" altLang="zh-TW" dirty="0" smtClean="0"/>
+          </a:p>
+          <a:p>
+            <a:pPr marL="0" indent="0">
+              <a:buNone/>
+            </a:pPr>
+            <a:r>
+              <a:rPr lang="en-US" altLang="zh-TW" dirty="0" smtClean="0"/>
+              <a:t>#This is a comment example</a:t>
+            </a:r>
+          </a:p>
+          <a:p>
+            <a:pPr marL="0" indent="0">
+              <a:buNone/>
+            </a:pPr>
+            <a:endParaRPr lang="en-US" altLang="zh-TW" dirty="0" smtClean="0"/>
+          </a:p>
+          <a:p>
+            <a:r>
+              <a:rPr lang="zh-TW" altLang="en-US" dirty="0" smtClean="0"/>
+              <a:t>一段</a:t>
+            </a:r>
+            <a:r>
+              <a:rPr lang="zh-TW" altLang="en-US" dirty="0"/>
+              <a:t>註</a:t>
+            </a:r>
+            <a:r>
+              <a:rPr lang="zh-TW" altLang="en-US" dirty="0" smtClean="0"/>
+              <a:t>解</a:t>
+            </a:r>
+            <a:endParaRPr lang="en-US" altLang="zh-TW" dirty="0" smtClean="0"/>
+          </a:p>
+          <a:p>
+            <a:pPr marL="0" indent="0">
+              <a:buNone/>
+            </a:pPr>
+            <a:r>
+              <a:rPr lang="en-US" altLang="zh-TW" dirty="0" smtClean="0"/>
+              <a:t>"""</a:t>
+            </a:r>
+          </a:p>
+          <a:p>
+            <a:pPr marL="0" indent="0">
+              <a:buNone/>
+            </a:pPr>
+            <a:r>
+              <a:rPr lang="en-US" altLang="zh-TW" dirty="0" smtClean="0"/>
+              <a:t>This is a comment example</a:t>
+            </a:r>
+            <a:endParaRPr lang="en-US" altLang="zh-TW" dirty="0"/>
+          </a:p>
+          <a:p>
+            <a:pPr marL="0" indent="0">
+              <a:buNone/>
+            </a:pPr>
+            <a:r>
+              <a:rPr lang="en-US" altLang="zh-TW" dirty="0"/>
+              <a:t>"""</a:t>
             </a:r>
             <a:endParaRPr lang="zh-TW" altLang="en-US" dirty="0"/>
           </a:p>
@@ -8400,7 +8385,7 @@
     </p:spTree>
     <p:extLst>
       <p:ext uri="{BB962C8B-B14F-4D97-AF65-F5344CB8AC3E}">
-        <p14:creationId xmlns:p14="http://schemas.microsoft.com/office/powerpoint/2010/main" val="3695610186"/>
+        <p14:creationId xmlns:p14="http://schemas.microsoft.com/office/powerpoint/2010/main" val="3105552643"/>
       </p:ext>
     </p:extLst>
   </p:cSld>
@@ -8443,11 +8428,11 @@
           <a:lstStyle/>
           <a:p>
             <a:r>
-              <a:rPr lang="zh-TW" altLang="en-US" dirty="0"/>
+              <a:rPr lang="zh-TW" altLang="en-US" dirty="0" smtClean="0"/>
               <a:t>類別 </a:t>
             </a:r>
             <a:r>
-              <a:rPr lang="en-US" altLang="zh-TW" dirty="0"/>
+              <a:rPr lang="en-US" altLang="zh-TW" dirty="0" smtClean="0"/>
               <a:t>(Class) </a:t>
             </a:r>
             <a:endParaRPr lang="zh-TW" altLang="en-US" dirty="0"/>
@@ -8470,104 +8455,89 @@
           <a:lstStyle/>
           <a:p>
             <a:r>
-              <a:rPr lang="zh-TW" altLang="en-US" dirty="0" smtClean="0"/>
-              <a:t>每個 </a:t>
-            </a:r>
-            <a:r>
-              <a:rPr lang="en-US" altLang="zh-TW" dirty="0" smtClean="0"/>
-              <a:t>Class</a:t>
-            </a:r>
-            <a:r>
-              <a:rPr lang="zh-TW" altLang="en-US" dirty="0" smtClean="0"/>
-              <a:t> 都會有屬性跟函數</a:t>
+              <a:rPr lang="en-US" altLang="zh-TW" dirty="0" smtClean="0"/>
+              <a:t>class</a:t>
+            </a:r>
+            <a:r>
+              <a:rPr lang="zh-TW" altLang="en-US" dirty="0" smtClean="0"/>
+              <a:t>，</a:t>
+            </a:r>
+            <a:r>
+              <a:rPr lang="zh-TW" altLang="en-US" dirty="0"/>
+              <a:t>就是像一個模組，可以產出具有相似特性的實體</a:t>
+            </a:r>
+            <a:r>
+              <a:rPr lang="en-US" altLang="zh-TW" dirty="0"/>
+              <a:t>(</a:t>
+            </a:r>
+            <a:r>
+              <a:rPr lang="zh-TW" altLang="en-US" dirty="0"/>
+              <a:t>物件</a:t>
+            </a:r>
+            <a:r>
+              <a:rPr lang="en-US" altLang="zh-TW" dirty="0"/>
+              <a:t>)</a:t>
+            </a:r>
+          </a:p>
+          <a:p>
+            <a:r>
+              <a:rPr lang="zh-TW" altLang="en-US" dirty="0" smtClean="0"/>
+              <a:t>例如</a:t>
+            </a:r>
+            <a:r>
+              <a:rPr lang="en-US" altLang="zh-TW" dirty="0" smtClean="0"/>
+              <a:t>:</a:t>
+            </a:r>
+            <a:r>
+              <a:rPr lang="zh-TW" altLang="en-US" dirty="0" smtClean="0"/>
+              <a:t>狗的類別</a:t>
             </a:r>
             <a:endParaRPr lang="en-US" altLang="zh-TW" dirty="0" smtClean="0"/>
           </a:p>
           <a:p>
-            <a:r>
-              <a:rPr lang="zh-TW" altLang="en-US" dirty="0" smtClean="0"/>
-              <a:t>狗的類別 </a:t>
-            </a:r>
-            <a:r>
-              <a:rPr lang="en-US" altLang="zh-TW" dirty="0" smtClean="0"/>
-              <a:t>dog</a:t>
-            </a:r>
-          </a:p>
-          <a:p>
-            <a:pPr marL="0" indent="0">
-              <a:buNone/>
-            </a:pPr>
-            <a:r>
-              <a:rPr lang="en-US" altLang="zh-TW" dirty="0" smtClean="0"/>
-              <a:t>dog_1 = dog(Laifu,100,50) #</a:t>
-            </a:r>
-            <a:r>
-              <a:rPr lang="zh-TW" altLang="en-US" dirty="0" smtClean="0"/>
-              <a:t>宣告一隻狗的</a:t>
-            </a:r>
-            <a:r>
-              <a:rPr lang="en-US" altLang="zh-TW" dirty="0" smtClean="0"/>
-              <a:t>class</a:t>
-            </a:r>
-            <a:r>
-              <a:rPr lang="zh-TW" altLang="en-US" dirty="0" smtClean="0"/>
-              <a:t>的物</a:t>
+            <a:pPr lvl="1"/>
+            <a:r>
+              <a:rPr lang="zh-TW" altLang="en-US" dirty="0" smtClean="0"/>
+              <a:t>有四隻腳</a:t>
+            </a:r>
+            <a:endParaRPr lang="en-US" altLang="zh-TW" dirty="0" smtClean="0"/>
+          </a:p>
+          <a:p>
+            <a:pPr lvl="1"/>
+            <a:r>
+              <a:rPr lang="zh-TW" altLang="en-US" dirty="0" smtClean="0"/>
+              <a:t>會叫</a:t>
+            </a:r>
+            <a:endParaRPr lang="en-US" altLang="zh-TW" dirty="0" smtClean="0"/>
+          </a:p>
+          <a:p>
+            <a:pPr lvl="1"/>
+            <a:r>
+              <a:rPr lang="zh-TW" altLang="en-US" dirty="0" smtClean="0"/>
+              <a:t>每隻狗有</a:t>
             </a:r>
             <a:r>
               <a:rPr lang="zh-TW" altLang="en-US" dirty="0"/>
-              <a:t>件</a:t>
+              <a:t>自</a:t>
+            </a:r>
+            <a:r>
+              <a:rPr lang="zh-TW" altLang="en-US" dirty="0" smtClean="0"/>
+              <a:t>己的名字、長的</a:t>
+            </a:r>
+            <a:r>
+              <a:rPr lang="zh-TW" altLang="en-US" dirty="0"/>
+              <a:t>不</a:t>
+            </a:r>
+            <a:r>
+              <a:rPr lang="zh-TW" altLang="en-US" dirty="0" smtClean="0"/>
+              <a:t>一樣</a:t>
             </a:r>
             <a:endParaRPr lang="en-US" altLang="zh-TW" dirty="0" smtClean="0"/>
           </a:p>
           <a:p>
             <a:r>
               <a:rPr lang="zh-TW" altLang="en-US" dirty="0" smtClean="0"/>
-              <a:t>取得</a:t>
-            </a:r>
-            <a:r>
-              <a:rPr lang="en-US" altLang="zh-TW" dirty="0" smtClean="0"/>
-              <a:t>dog_1</a:t>
-            </a:r>
-            <a:r>
-              <a:rPr lang="zh-TW" altLang="en-US" dirty="0" smtClean="0"/>
-              <a:t>的屬性</a:t>
-            </a:r>
-            <a:endParaRPr lang="en-US" altLang="zh-TW" dirty="0" smtClean="0"/>
-          </a:p>
-          <a:p>
-            <a:pPr marL="0" indent="0">
-              <a:buNone/>
-            </a:pPr>
-            <a:r>
-              <a:rPr lang="en-US" altLang="zh-TW" dirty="0" smtClean="0"/>
-              <a:t>dog_1.height</a:t>
-            </a:r>
-          </a:p>
-          <a:p>
-            <a:pPr marL="0" indent="0">
-              <a:buNone/>
-            </a:pPr>
-            <a:r>
-              <a:rPr lang="en-US" altLang="zh-TW" dirty="0" smtClean="0"/>
-              <a:t>dog_1.name</a:t>
-            </a:r>
-          </a:p>
-          <a:p>
-            <a:r>
-              <a:rPr lang="zh-TW" altLang="en-US" dirty="0" smtClean="0"/>
-              <a:t>讓</a:t>
-            </a:r>
-            <a:r>
-              <a:rPr lang="en-US" altLang="zh-TW" dirty="0" smtClean="0"/>
-              <a:t>dog_1</a:t>
-            </a:r>
-            <a:r>
-              <a:rPr lang="zh-TW" altLang="en-US" dirty="0"/>
-              <a:t>呼</a:t>
-            </a:r>
-            <a:r>
-              <a:rPr lang="zh-TW" altLang="en-US" dirty="0" smtClean="0"/>
-              <a:t>叫</a:t>
+              <a:t>同一個</a:t>
             </a:r>
             <a:r>
               <a:rPr lang="zh-TW" altLang="en-US" dirty="0"/>
@@ -8575,49 +8545,24 @@
             </a:r>
             <a:r>
               <a:rPr lang="en-US" altLang="zh-TW" dirty="0" smtClean="0"/>
-              <a:t>dog</a:t>
+              <a:t>Class</a:t>
             </a:r>
             <a:r>
               <a:rPr lang="zh-TW" altLang="en-US" dirty="0"/>
               <a:t> </a:t>
             </a:r>
             <a:r>
-              <a:rPr lang="en-US" altLang="zh-TW" dirty="0" smtClean="0"/>
-              <a:t>class</a:t>
-            </a:r>
-            <a:r>
-              <a:rPr lang="zh-TW" altLang="en-US" dirty="0" smtClean="0"/>
-              <a:t>的</a:t>
-            </a:r>
-            <a:r>
-              <a:rPr lang="zh-TW" altLang="en-US" dirty="0"/>
-              <a:t> </a:t>
-            </a:r>
-            <a:r>
-              <a:rPr lang="en-US" altLang="zh-TW" dirty="0" smtClean="0"/>
-              <a:t>functio</a:t>
-            </a:r>
-            <a:r>
-              <a:rPr lang="en-US" altLang="zh-TW" dirty="0"/>
-              <a:t>n</a:t>
-            </a:r>
-            <a:endParaRPr lang="en-US" altLang="zh-TW" dirty="0" smtClean="0"/>
-          </a:p>
-          <a:p>
-            <a:pPr marL="0" indent="0">
-              <a:buNone/>
-            </a:pPr>
-            <a:r>
-              <a:rPr lang="en-US" altLang="zh-TW" dirty="0" smtClean="0"/>
-              <a:t>dog_1.bark()</a:t>
-            </a:r>
+              <a:rPr lang="zh-TW" altLang="en-US" dirty="0" smtClean="0"/>
+              <a:t>的物件，有相似的屬性、函數，但是也有不同的參數</a:t>
+            </a:r>
+            <a:endParaRPr lang="zh-TW" altLang="en-US" dirty="0"/>
           </a:p>
         </p:txBody>
       </p:sp>
     </p:spTree>
     <p:extLst>
       <p:ext uri="{BB962C8B-B14F-4D97-AF65-F5344CB8AC3E}">
-        <p14:creationId xmlns:p14="http://schemas.microsoft.com/office/powerpoint/2010/main" val="4024586528"/>
+        <p14:creationId xmlns:p14="http://schemas.microsoft.com/office/powerpoint/2010/main" val="3695610186"/>
       </p:ext>
     </p:extLst>
   </p:cSld>
@@ -8660,318 +8605,184 @@
           <a:lstStyle/>
           <a:p>
             <a:r>
-              <a:rPr lang="zh-TW" altLang="en-US" dirty="0" smtClean="0"/>
-              <a:t>建立一個 </a:t>
+              <a:rPr lang="zh-TW" altLang="en-US" dirty="0"/>
+              <a:t>類別 </a:t>
+            </a:r>
+            <a:r>
+              <a:rPr lang="en-US" altLang="zh-TW" dirty="0"/>
+              <a:t>(Class) </a:t>
+            </a:r>
+            <a:endParaRPr lang="zh-TW" altLang="en-US" dirty="0"/>
+          </a:p>
+        </p:txBody>
+      </p:sp>
+      <p:sp>
+        <p:nvSpPr>
+          <p:cNvPr id="3" name="Content Placeholder 2"/>
+          <p:cNvSpPr>
+            <a:spLocks noGrp="1"/>
+          </p:cNvSpPr>
+          <p:nvPr>
+            <p:ph idx="1"/>
+          </p:nvPr>
+        </p:nvSpPr>
+        <p:spPr/>
+        <p:txBody>
+          <a:bodyPr/>
+          <a:lstStyle/>
+          <a:p>
+            <a:r>
+              <a:rPr lang="zh-TW" altLang="en-US" dirty="0" smtClean="0"/>
+              <a:t>每個 </a:t>
             </a:r>
             <a:r>
               <a:rPr lang="en-US" altLang="zh-TW" dirty="0" smtClean="0"/>
               <a:t>Class</a:t>
             </a:r>
-            <a:endParaRPr lang="zh-TW" altLang="en-US" dirty="0"/>
-          </a:p>
-        </p:txBody>
-      </p:sp>
-      <p:sp>
-        <p:nvSpPr>
-          <p:cNvPr id="3" name="Content Placeholder 2"/>
-          <p:cNvSpPr>
-            <a:spLocks noGrp="1"/>
-          </p:cNvSpPr>
-          <p:nvPr>
-            <p:ph idx="1"/>
-          </p:nvPr>
-        </p:nvSpPr>
-        <p:spPr/>
-        <p:txBody>
-          <a:bodyPr>
-            <a:noAutofit/>
-          </a:bodyPr>
-          <a:lstStyle/>
+            <a:r>
+              <a:rPr lang="zh-TW" altLang="en-US" dirty="0" smtClean="0"/>
+              <a:t> 都會有屬性跟函數</a:t>
+            </a:r>
+            <a:endParaRPr lang="en-US" altLang="zh-TW" dirty="0" smtClean="0"/>
+          </a:p>
+          <a:p>
+            <a:r>
+              <a:rPr lang="zh-TW" altLang="en-US" dirty="0" smtClean="0"/>
+              <a:t>狗的類別 </a:t>
+            </a:r>
+            <a:r>
+              <a:rPr lang="en-US" altLang="zh-TW" dirty="0" smtClean="0"/>
+              <a:t>dog</a:t>
+            </a:r>
+          </a:p>
           <a:p>
             <a:pPr marL="0" indent="0">
               <a:buNone/>
             </a:pPr>
             <a:r>
-              <a:rPr lang="en-US" altLang="zh-TW" sz="2000" dirty="0"/>
-              <a:t>class dog():</a:t>
-            </a:r>
+              <a:rPr lang="en-US" altLang="zh-TW" dirty="0" smtClean="0"/>
+              <a:t>dog_1 = dog(Laifu,100,50) #</a:t>
+            </a:r>
+            <a:r>
+              <a:rPr lang="zh-TW" altLang="en-US" dirty="0" smtClean="0"/>
+              <a:t>宣告一隻狗的</a:t>
+            </a:r>
+            <a:r>
+              <a:rPr lang="en-US" altLang="zh-TW" dirty="0" smtClean="0"/>
+              <a:t>class</a:t>
+            </a:r>
+            <a:r>
+              <a:rPr lang="zh-TW" altLang="en-US" dirty="0" smtClean="0"/>
+              <a:t>的物</a:t>
+            </a:r>
+            <a:r>
+              <a:rPr lang="zh-TW" altLang="en-US" dirty="0"/>
+              <a:t>件</a:t>
+            </a:r>
+            <a:endParaRPr lang="en-US" altLang="zh-TW" dirty="0" smtClean="0"/>
+          </a:p>
+          <a:p>
+            <a:r>
+              <a:rPr lang="zh-TW" altLang="en-US" dirty="0" smtClean="0"/>
+              <a:t>取得</a:t>
+            </a:r>
+            <a:r>
+              <a:rPr lang="en-US" altLang="zh-TW" dirty="0" smtClean="0"/>
+              <a:t>dog_1</a:t>
+            </a:r>
+            <a:r>
+              <a:rPr lang="zh-TW" altLang="en-US" dirty="0" smtClean="0"/>
+              <a:t>的屬性</a:t>
+            </a:r>
+            <a:endParaRPr lang="en-US" altLang="zh-TW" dirty="0" smtClean="0"/>
           </a:p>
           <a:p>
             <a:pPr marL="0" indent="0">
               <a:buNone/>
             </a:pPr>
             <a:r>
-              <a:rPr lang="en-US" altLang="zh-TW" sz="2000" dirty="0"/>
-              <a:t>    </a:t>
-            </a:r>
-            <a:r>
-              <a:rPr lang="en-US" altLang="zh-TW" sz="2000" dirty="0" err="1"/>
-              <a:t>def</a:t>
-            </a:r>
-            <a:r>
-              <a:rPr lang="en-US" altLang="zh-TW" sz="2000" dirty="0"/>
-              <a:t> __</a:t>
-            </a:r>
-            <a:r>
-              <a:rPr lang="en-US" altLang="zh-TW" sz="2000" dirty="0" err="1"/>
-              <a:t>init</a:t>
-            </a:r>
-            <a:r>
-              <a:rPr lang="en-US" altLang="zh-TW" sz="2000" dirty="0"/>
-              <a:t>__(self, </a:t>
-            </a:r>
-            <a:r>
-              <a:rPr lang="en-US" altLang="zh-TW" sz="2000" dirty="0" err="1"/>
-              <a:t>name,height,width</a:t>
-            </a:r>
-            <a:r>
-              <a:rPr lang="en-US" altLang="zh-TW" sz="2000" dirty="0" smtClean="0"/>
-              <a:t>): #__</a:t>
-            </a:r>
-            <a:r>
-              <a:rPr lang="en-US" altLang="zh-TW" sz="2000" dirty="0" err="1" smtClean="0"/>
-              <a:t>init</a:t>
-            </a:r>
-            <a:r>
-              <a:rPr lang="en-US" altLang="zh-TW" sz="2000" dirty="0" smtClean="0"/>
-              <a:t>__</a:t>
-            </a:r>
-            <a:r>
-              <a:rPr lang="zh-TW" altLang="en-US" sz="2000" dirty="0" smtClean="0"/>
-              <a:t>是</a:t>
-            </a:r>
-            <a:r>
-              <a:rPr lang="zh-TW" altLang="en-US" sz="2000" dirty="0"/>
-              <a:t>宣</a:t>
-            </a:r>
-            <a:r>
-              <a:rPr lang="zh-TW" altLang="en-US" sz="2000" dirty="0" smtClean="0"/>
-              <a:t>告</a:t>
-            </a:r>
-            <a:r>
-              <a:rPr lang="en-US" altLang="zh-TW" sz="2000" dirty="0" smtClean="0"/>
+              <a:rPr lang="en-US" altLang="zh-TW" dirty="0" smtClean="0"/>
+              <a:t>dog_1.height</a:t>
+            </a:r>
+          </a:p>
+          <a:p>
+            <a:pPr marL="0" indent="0">
+              <a:buNone/>
+            </a:pPr>
+            <a:r>
+              <a:rPr lang="en-US" altLang="zh-TW" dirty="0" smtClean="0"/>
+              <a:t>dog_1.name</a:t>
+            </a:r>
+          </a:p>
+          <a:p>
+            <a:r>
+              <a:rPr lang="zh-TW" altLang="en-US" dirty="0" smtClean="0"/>
+              <a:t>讓</a:t>
+            </a:r>
+            <a:r>
+              <a:rPr lang="en-US" altLang="zh-TW" dirty="0" smtClean="0"/>
+              <a:t>dog_1</a:t>
+            </a:r>
+            <a:r>
+              <a:rPr lang="zh-TW" altLang="en-US" dirty="0"/>
+              <a:t>呼</a:t>
+            </a:r>
+            <a:r>
+              <a:rPr lang="zh-TW" altLang="en-US" dirty="0" smtClean="0"/>
+              <a:t>叫</a:t>
+            </a:r>
+            <a:r>
+              <a:rPr lang="zh-TW" altLang="en-US" dirty="0"/>
+              <a:t> </a:t>
+            </a:r>
+            <a:r>
+              <a:rPr lang="en-US" altLang="zh-TW" dirty="0" smtClean="0"/>
+              <a:t>dog</a:t>
+            </a:r>
+            <a:r>
+              <a:rPr lang="zh-TW" altLang="en-US" dirty="0"/>
+              <a:t> </a:t>
+            </a:r>
+            <a:r>
+              <a:rPr lang="en-US" altLang="zh-TW" dirty="0" smtClean="0"/>
               <a:t>class</a:t>
             </a:r>
             <a:r>
-              <a:rPr lang="zh-TW" altLang="en-US" sz="2000" dirty="0" smtClean="0"/>
-              <a:t>時所呼叫的函數</a:t>
-            </a:r>
-            <a:endParaRPr lang="en-US" altLang="zh-TW" sz="2000" dirty="0"/>
+              <a:rPr lang="zh-TW" altLang="en-US" dirty="0" smtClean="0"/>
+              <a:t>的</a:t>
+            </a:r>
+            <a:r>
+              <a:rPr lang="zh-TW" altLang="en-US" dirty="0"/>
+              <a:t> </a:t>
+            </a:r>
+            <a:r>
+              <a:rPr lang="en-US" altLang="zh-TW" dirty="0" smtClean="0"/>
+              <a:t>method (</a:t>
+            </a:r>
+            <a:r>
+              <a:rPr lang="zh-TW" altLang="en-US" dirty="0" smtClean="0"/>
+              <a:t>一種特殊的</a:t>
+            </a:r>
+            <a:r>
+              <a:rPr lang="en-US" altLang="zh-TW" dirty="0" smtClean="0"/>
+              <a:t>function)</a:t>
+            </a:r>
           </a:p>
           <a:p>
             <a:pPr marL="0" indent="0">
               <a:buNone/>
             </a:pPr>
             <a:r>
-              <a:rPr lang="en-US" altLang="zh-TW" sz="2000" dirty="0"/>
-              <a:t>        self.name = </a:t>
-            </a:r>
-            <a:r>
-              <a:rPr lang="en-US" altLang="zh-TW" sz="2000" dirty="0" smtClean="0"/>
-              <a:t>name</a:t>
-            </a:r>
-            <a:r>
-              <a:rPr lang="zh-TW" altLang="en-US" sz="2000" dirty="0" smtClean="0"/>
-              <a:t> </a:t>
-            </a:r>
-            <a:r>
-              <a:rPr lang="en-US" altLang="zh-TW" sz="2000" dirty="0" smtClean="0"/>
-              <a:t>#self</a:t>
-            </a:r>
-            <a:r>
-              <a:rPr lang="zh-TW" altLang="en-US" sz="2000" dirty="0" smtClean="0"/>
-              <a:t>代表當前的物件，也就是這隻狗</a:t>
-            </a:r>
-            <a:endParaRPr lang="en-US" altLang="zh-TW" sz="2000" dirty="0"/>
-          </a:p>
-          <a:p>
-            <a:pPr marL="0" indent="0">
-              <a:buNone/>
-            </a:pPr>
-            <a:r>
-              <a:rPr lang="en-US" altLang="zh-TW" sz="2000" dirty="0"/>
-              <a:t>        </a:t>
-            </a:r>
-            <a:r>
-              <a:rPr lang="en-US" altLang="zh-TW" sz="2000" dirty="0" err="1"/>
-              <a:t>self.width</a:t>
-            </a:r>
-            <a:r>
-              <a:rPr lang="en-US" altLang="zh-TW" sz="2000" dirty="0"/>
-              <a:t> = width</a:t>
-            </a:r>
-          </a:p>
-          <a:p>
-            <a:pPr marL="0" indent="0">
-              <a:buNone/>
-            </a:pPr>
-            <a:r>
-              <a:rPr lang="en-US" altLang="zh-TW" sz="2000" dirty="0"/>
-              <a:t>        </a:t>
-            </a:r>
-            <a:r>
-              <a:rPr lang="en-US" altLang="zh-TW" sz="2000" dirty="0" err="1"/>
-              <a:t>self.height</a:t>
-            </a:r>
-            <a:r>
-              <a:rPr lang="en-US" altLang="zh-TW" sz="2000" dirty="0"/>
-              <a:t> = height</a:t>
-            </a:r>
-          </a:p>
-          <a:p>
-            <a:pPr marL="0" indent="0">
-              <a:buNone/>
-            </a:pPr>
-            <a:r>
-              <a:rPr lang="en-US" altLang="zh-TW" sz="2000" dirty="0"/>
-              <a:t>    </a:t>
-            </a:r>
-            <a:r>
-              <a:rPr lang="en-US" altLang="zh-TW" sz="2000" dirty="0" err="1"/>
-              <a:t>def</a:t>
-            </a:r>
-            <a:r>
-              <a:rPr lang="en-US" altLang="zh-TW" sz="2000" dirty="0"/>
-              <a:t> bark(self</a:t>
-            </a:r>
-            <a:r>
-              <a:rPr lang="en-US" altLang="zh-TW" sz="2000" dirty="0" smtClean="0"/>
-              <a:t>):</a:t>
-            </a:r>
-            <a:r>
-              <a:rPr lang="zh-TW" altLang="en-US" sz="2000" dirty="0" smtClean="0"/>
-              <a:t>  </a:t>
-            </a:r>
-            <a:r>
-              <a:rPr lang="en-US" altLang="zh-TW" sz="2000" dirty="0" smtClean="0"/>
-              <a:t>#</a:t>
-            </a:r>
-            <a:r>
-              <a:rPr lang="zh-TW" altLang="en-US" sz="2000" dirty="0" smtClean="0"/>
-              <a:t>注意所有</a:t>
-            </a:r>
-            <a:r>
-              <a:rPr lang="en-US" altLang="zh-TW" sz="2000" dirty="0" smtClean="0"/>
-              <a:t>class</a:t>
-            </a:r>
-            <a:r>
-              <a:rPr lang="zh-TW" altLang="en-US" sz="2000" dirty="0" smtClean="0"/>
-              <a:t>函數的宣告，都必須將</a:t>
-            </a:r>
-            <a:r>
-              <a:rPr lang="en-US" altLang="zh-TW" sz="2000" dirty="0" smtClean="0"/>
-              <a:t>self</a:t>
-            </a:r>
-            <a:r>
-              <a:rPr lang="zh-TW" altLang="en-US" sz="2000" dirty="0" smtClean="0"/>
-              <a:t>作為參數</a:t>
-            </a:r>
-            <a:endParaRPr lang="en-US" altLang="zh-TW" sz="2000" dirty="0"/>
-          </a:p>
-          <a:p>
-            <a:pPr marL="0" indent="0">
-              <a:buNone/>
-            </a:pPr>
-            <a:r>
-              <a:rPr lang="en-US" altLang="zh-TW" sz="2000" dirty="0"/>
-              <a:t>        print(self.name + " barks once")</a:t>
-            </a:r>
-          </a:p>
-          <a:p>
-            <a:pPr marL="0" indent="0">
-              <a:buNone/>
-            </a:pPr>
-            <a:endParaRPr lang="en-US" altLang="zh-TW" sz="2000" dirty="0"/>
-          </a:p>
-          <a:p>
-            <a:pPr marL="0" indent="0">
-              <a:buNone/>
-            </a:pPr>
-            <a:r>
-              <a:rPr lang="en-US" altLang="zh-TW" sz="2000" dirty="0"/>
-              <a:t>dog_1 = </a:t>
-            </a:r>
-            <a:r>
-              <a:rPr lang="en-US" altLang="zh-TW" sz="2000" dirty="0" smtClean="0"/>
-              <a:t>dog(</a:t>
-            </a:r>
-            <a:r>
-              <a:rPr lang="en-US" altLang="zh-TW" sz="2000" dirty="0"/>
-              <a:t>"</a:t>
-            </a:r>
-            <a:r>
-              <a:rPr lang="en-US" altLang="zh-TW" sz="2000" dirty="0" smtClean="0"/>
-              <a:t>Laifu",</a:t>
-            </a:r>
-            <a:r>
-              <a:rPr lang="en-US" altLang="zh-TW" sz="2000" dirty="0"/>
-              <a:t>100,50)</a:t>
-            </a:r>
-          </a:p>
-          <a:p>
-            <a:pPr marL="0" indent="0">
-              <a:buNone/>
-            </a:pPr>
-            <a:r>
-              <a:rPr lang="en-US" altLang="zh-TW" sz="2000" dirty="0"/>
-              <a:t>dog_1.bark</a:t>
-            </a:r>
-            <a:r>
-              <a:rPr lang="en-US" altLang="zh-TW" sz="2000" dirty="0" smtClean="0"/>
-              <a:t>()</a:t>
-            </a:r>
-            <a:r>
-              <a:rPr lang="zh-TW" altLang="en-US" sz="2000" dirty="0" smtClean="0"/>
-              <a:t>  </a:t>
-            </a:r>
-            <a:r>
-              <a:rPr lang="en-US" altLang="zh-TW" sz="2000" dirty="0" smtClean="0"/>
-              <a:t>#</a:t>
-            </a:r>
-            <a:r>
-              <a:rPr lang="zh-TW" altLang="en-US" sz="2000" dirty="0" smtClean="0"/>
-              <a:t>在呼叫</a:t>
-            </a:r>
-            <a:r>
-              <a:rPr lang="en-US" altLang="zh-TW" sz="2000" dirty="0" smtClean="0"/>
-              <a:t>class</a:t>
-            </a:r>
-            <a:r>
-              <a:rPr lang="zh-TW" altLang="en-US" sz="2000" dirty="0" smtClean="0"/>
-              <a:t>函數時，用物件</a:t>
-            </a:r>
-            <a:r>
-              <a:rPr lang="en-US" altLang="zh-TW" sz="2000" dirty="0" smtClean="0"/>
-              <a:t>.</a:t>
-            </a:r>
-            <a:r>
-              <a:rPr lang="zh-TW" altLang="en-US" sz="2000" dirty="0" smtClean="0"/>
-              <a:t>函數</a:t>
-            </a:r>
-            <a:r>
-              <a:rPr lang="en-US" altLang="zh-TW" sz="2000" dirty="0" smtClean="0"/>
-              <a:t>(</a:t>
-            </a:r>
-            <a:r>
-              <a:rPr lang="zh-TW" altLang="en-US" sz="2000" dirty="0" smtClean="0"/>
-              <a:t>參數</a:t>
-            </a:r>
-            <a:r>
-              <a:rPr lang="en-US" altLang="zh-TW" sz="2000" dirty="0" smtClean="0"/>
-              <a:t>)</a:t>
-            </a:r>
-            <a:r>
-              <a:rPr lang="zh-TW" altLang="en-US" sz="2000" dirty="0" smtClean="0"/>
-              <a:t>的方式</a:t>
-            </a:r>
-            <a:endParaRPr lang="en-US" altLang="zh-TW" sz="2000" dirty="0"/>
+              <a:rPr lang="en-US" altLang="zh-TW" dirty="0" smtClean="0"/>
+              <a:t>dog_1.bark()</a:t>
+            </a:r>
           </a:p>
         </p:txBody>
       </p:sp>
     </p:spTree>
     <p:extLst>
       <p:ext uri="{BB962C8B-B14F-4D97-AF65-F5344CB8AC3E}">
-        <p14:creationId xmlns:p14="http://schemas.microsoft.com/office/powerpoint/2010/main" val="88934615"/>
+        <p14:creationId xmlns:p14="http://schemas.microsoft.com/office/powerpoint/2010/main" val="4024586528"/>
       </p:ext>
     </p:extLst>
   </p:cSld>
@@ -9015,6 +8826,368 @@
           <a:p>
             <a:r>
               <a:rPr lang="zh-TW" altLang="en-US" dirty="0" smtClean="0"/>
+              <a:t>建立一個 </a:t>
+            </a:r>
+            <a:r>
+              <a:rPr lang="en-US" altLang="zh-TW" dirty="0" smtClean="0"/>
+              <a:t>Class</a:t>
+            </a:r>
+            <a:endParaRPr lang="zh-TW" altLang="en-US" dirty="0"/>
+          </a:p>
+        </p:txBody>
+      </p:sp>
+      <p:sp>
+        <p:nvSpPr>
+          <p:cNvPr id="3" name="Content Placeholder 2"/>
+          <p:cNvSpPr>
+            <a:spLocks noGrp="1"/>
+          </p:cNvSpPr>
+          <p:nvPr>
+            <p:ph idx="1"/>
+          </p:nvPr>
+        </p:nvSpPr>
+        <p:spPr/>
+        <p:txBody>
+          <a:bodyPr>
+            <a:noAutofit/>
+          </a:bodyPr>
+          <a:lstStyle/>
+          <a:p>
+            <a:pPr marL="0" indent="0">
+              <a:buNone/>
+            </a:pPr>
+            <a:r>
+              <a:rPr lang="en-US" altLang="zh-TW" sz="2000" dirty="0"/>
+              <a:t>class dog():</a:t>
+            </a:r>
+          </a:p>
+          <a:p>
+            <a:pPr marL="0" indent="0">
+              <a:buNone/>
+            </a:pPr>
+            <a:r>
+              <a:rPr lang="en-US" altLang="zh-TW" sz="2000" dirty="0"/>
+              <a:t>    </a:t>
+            </a:r>
+            <a:r>
+              <a:rPr lang="en-US" altLang="zh-TW" sz="2000" dirty="0" err="1"/>
+              <a:t>def</a:t>
+            </a:r>
+            <a:r>
+              <a:rPr lang="en-US" altLang="zh-TW" sz="2000" dirty="0"/>
+              <a:t> __</a:t>
+            </a:r>
+            <a:r>
+              <a:rPr lang="en-US" altLang="zh-TW" sz="2000" dirty="0" err="1"/>
+              <a:t>init</a:t>
+            </a:r>
+            <a:r>
+              <a:rPr lang="en-US" altLang="zh-TW" sz="2000" dirty="0"/>
+              <a:t>__(self, </a:t>
+            </a:r>
+            <a:r>
+              <a:rPr lang="en-US" altLang="zh-TW" sz="2000" dirty="0" err="1"/>
+              <a:t>name,height,width</a:t>
+            </a:r>
+            <a:r>
+              <a:rPr lang="en-US" altLang="zh-TW" sz="2000" dirty="0" smtClean="0"/>
+              <a:t>): #__</a:t>
+            </a:r>
+            <a:r>
+              <a:rPr lang="en-US" altLang="zh-TW" sz="2000" dirty="0" err="1" smtClean="0"/>
+              <a:t>init</a:t>
+            </a:r>
+            <a:r>
+              <a:rPr lang="en-US" altLang="zh-TW" sz="2000" dirty="0" smtClean="0"/>
+              <a:t>__</a:t>
+            </a:r>
+            <a:r>
+              <a:rPr lang="zh-TW" altLang="en-US" sz="2000" dirty="0" smtClean="0"/>
+              <a:t>是</a:t>
+            </a:r>
+            <a:r>
+              <a:rPr lang="zh-TW" altLang="en-US" sz="2000" dirty="0"/>
+              <a:t>宣</a:t>
+            </a:r>
+            <a:r>
+              <a:rPr lang="zh-TW" altLang="en-US" sz="2000" dirty="0" smtClean="0"/>
+              <a:t>告</a:t>
+            </a:r>
+            <a:r>
+              <a:rPr lang="en-US" altLang="zh-TW" sz="2000" dirty="0" smtClean="0"/>
+              <a:t>class</a:t>
+            </a:r>
+            <a:r>
+              <a:rPr lang="zh-TW" altLang="en-US" sz="2000" dirty="0" smtClean="0"/>
+              <a:t>時所呼叫的函數</a:t>
+            </a:r>
+            <a:endParaRPr lang="en-US" altLang="zh-TW" sz="2000" dirty="0"/>
+          </a:p>
+          <a:p>
+            <a:pPr marL="0" indent="0">
+              <a:buNone/>
+            </a:pPr>
+            <a:r>
+              <a:rPr lang="en-US" altLang="zh-TW" sz="2000" dirty="0"/>
+              <a:t>        self.name = </a:t>
+            </a:r>
+            <a:r>
+              <a:rPr lang="en-US" altLang="zh-TW" sz="2000" dirty="0" smtClean="0"/>
+              <a:t>name</a:t>
+            </a:r>
+            <a:r>
+              <a:rPr lang="zh-TW" altLang="en-US" sz="2000" dirty="0" smtClean="0"/>
+              <a:t> </a:t>
+            </a:r>
+            <a:r>
+              <a:rPr lang="en-US" altLang="zh-TW" sz="2000" dirty="0" smtClean="0"/>
+              <a:t>#self</a:t>
+            </a:r>
+            <a:r>
+              <a:rPr lang="zh-TW" altLang="en-US" sz="2000" dirty="0" smtClean="0"/>
+              <a:t>代表當前的物件，也就是這隻狗</a:t>
+            </a:r>
+            <a:endParaRPr lang="en-US" altLang="zh-TW" sz="2000" dirty="0"/>
+          </a:p>
+          <a:p>
+            <a:pPr marL="0" indent="0">
+              <a:buNone/>
+            </a:pPr>
+            <a:r>
+              <a:rPr lang="en-US" altLang="zh-TW" sz="2000" dirty="0"/>
+              <a:t>        </a:t>
+            </a:r>
+            <a:r>
+              <a:rPr lang="en-US" altLang="zh-TW" sz="2000" dirty="0" err="1"/>
+              <a:t>self.width</a:t>
+            </a:r>
+            <a:r>
+              <a:rPr lang="en-US" altLang="zh-TW" sz="2000" dirty="0"/>
+              <a:t> = width</a:t>
+            </a:r>
+          </a:p>
+          <a:p>
+            <a:pPr marL="0" indent="0">
+              <a:buNone/>
+            </a:pPr>
+            <a:r>
+              <a:rPr lang="en-US" altLang="zh-TW" sz="2000" dirty="0"/>
+              <a:t>        </a:t>
+            </a:r>
+            <a:r>
+              <a:rPr lang="en-US" altLang="zh-TW" sz="2000" dirty="0" err="1"/>
+              <a:t>self.height</a:t>
+            </a:r>
+            <a:r>
+              <a:rPr lang="en-US" altLang="zh-TW" sz="2000" dirty="0"/>
+              <a:t> = height</a:t>
+            </a:r>
+          </a:p>
+          <a:p>
+            <a:pPr marL="0" indent="0">
+              <a:buNone/>
+            </a:pPr>
+            <a:r>
+              <a:rPr lang="en-US" altLang="zh-TW" sz="2000" dirty="0"/>
+              <a:t>    </a:t>
+            </a:r>
+            <a:r>
+              <a:rPr lang="en-US" altLang="zh-TW" sz="2000" dirty="0" err="1"/>
+              <a:t>def</a:t>
+            </a:r>
+            <a:r>
+              <a:rPr lang="en-US" altLang="zh-TW" sz="2000" dirty="0"/>
+              <a:t> bark(self</a:t>
+            </a:r>
+            <a:r>
+              <a:rPr lang="en-US" altLang="zh-TW" sz="2000" dirty="0" smtClean="0"/>
+              <a:t>):</a:t>
+            </a:r>
+            <a:r>
+              <a:rPr lang="zh-TW" altLang="en-US" sz="2000" dirty="0" smtClean="0"/>
+              <a:t>  </a:t>
+            </a:r>
+            <a:r>
+              <a:rPr lang="en-US" altLang="zh-TW" sz="2000" dirty="0" smtClean="0"/>
+              <a:t>#</a:t>
+            </a:r>
+            <a:r>
+              <a:rPr lang="zh-TW" altLang="en-US" sz="2000" dirty="0" smtClean="0"/>
+              <a:t>注意</a:t>
+            </a:r>
+            <a:r>
+              <a:rPr lang="en-US" altLang="zh-TW" sz="2000" dirty="0" smtClean="0"/>
+              <a:t>class</a:t>
+            </a:r>
+            <a:r>
+              <a:rPr lang="zh-TW" altLang="en-US" sz="2000" dirty="0"/>
+              <a:t> </a:t>
+            </a:r>
+            <a:r>
+              <a:rPr lang="en-US" altLang="zh-TW" sz="2000" dirty="0" smtClean="0"/>
+              <a:t>method</a:t>
+            </a:r>
+            <a:r>
+              <a:rPr lang="zh-TW" altLang="en-US" sz="2000" dirty="0" smtClean="0"/>
+              <a:t>的宣告，必須將</a:t>
+            </a:r>
+            <a:r>
+              <a:rPr lang="en-US" altLang="zh-TW" sz="2000" dirty="0" smtClean="0"/>
+              <a:t>self</a:t>
+            </a:r>
+            <a:r>
+              <a:rPr lang="zh-TW" altLang="en-US" sz="2000" dirty="0" smtClean="0"/>
+              <a:t>作為參數</a:t>
+            </a:r>
+            <a:endParaRPr lang="en-US" altLang="zh-TW" sz="2000" dirty="0"/>
+          </a:p>
+          <a:p>
+            <a:pPr marL="0" indent="0">
+              <a:buNone/>
+            </a:pPr>
+            <a:r>
+              <a:rPr lang="en-US" altLang="zh-TW" sz="2000" dirty="0"/>
+              <a:t>        print(self.name + " barks once")</a:t>
+            </a:r>
+          </a:p>
+          <a:p>
+            <a:pPr marL="0" indent="0">
+              <a:buNone/>
+            </a:pPr>
+            <a:endParaRPr lang="en-US" altLang="zh-TW" sz="2000" dirty="0"/>
+          </a:p>
+          <a:p>
+            <a:pPr marL="0" indent="0">
+              <a:buNone/>
+            </a:pPr>
+            <a:r>
+              <a:rPr lang="en-US" altLang="zh-TW" sz="2000" dirty="0"/>
+              <a:t>dog_1 = </a:t>
+            </a:r>
+            <a:r>
+              <a:rPr lang="en-US" altLang="zh-TW" sz="2000" dirty="0" smtClean="0"/>
+              <a:t>dog(</a:t>
+            </a:r>
+            <a:r>
+              <a:rPr lang="en-US" altLang="zh-TW" sz="2000" dirty="0"/>
+              <a:t>"</a:t>
+            </a:r>
+            <a:r>
+              <a:rPr lang="en-US" altLang="zh-TW" sz="2000" dirty="0" smtClean="0"/>
+              <a:t>Laifu",</a:t>
+            </a:r>
+            <a:r>
+              <a:rPr lang="en-US" altLang="zh-TW" sz="2000" dirty="0"/>
+              <a:t>100,50)</a:t>
+            </a:r>
+          </a:p>
+          <a:p>
+            <a:pPr marL="0" indent="0">
+              <a:buNone/>
+            </a:pPr>
+            <a:r>
+              <a:rPr lang="en-US" altLang="zh-TW" sz="2000" dirty="0"/>
+              <a:t>dog_1.bark</a:t>
+            </a:r>
+            <a:r>
+              <a:rPr lang="en-US" altLang="zh-TW" sz="2000" dirty="0" smtClean="0"/>
+              <a:t>()</a:t>
+            </a:r>
+            <a:r>
+              <a:rPr lang="zh-TW" altLang="en-US" sz="2000" dirty="0" smtClean="0"/>
+              <a:t>  </a:t>
+            </a:r>
+            <a:r>
+              <a:rPr lang="en-US" altLang="zh-TW" sz="2000" dirty="0" smtClean="0"/>
+              <a:t>#</a:t>
+            </a:r>
+            <a:r>
+              <a:rPr lang="zh-TW" altLang="en-US" sz="2000" dirty="0" smtClean="0"/>
+              <a:t>在呼叫</a:t>
+            </a:r>
+            <a:r>
+              <a:rPr lang="en-US" altLang="zh-TW" sz="2000" dirty="0" smtClean="0"/>
+              <a:t>class</a:t>
+            </a:r>
+            <a:r>
+              <a:rPr lang="zh-TW" altLang="en-US" sz="2000" dirty="0"/>
+              <a:t> </a:t>
+            </a:r>
+            <a:r>
+              <a:rPr lang="en-US" altLang="zh-TW" sz="2000" dirty="0" smtClean="0"/>
+              <a:t>method</a:t>
+            </a:r>
+            <a:r>
+              <a:rPr lang="zh-TW" altLang="en-US" sz="2000" dirty="0" smtClean="0"/>
+              <a:t>時，用物件</a:t>
+            </a:r>
+            <a:r>
+              <a:rPr lang="en-US" altLang="zh-TW" sz="2000" dirty="0" smtClean="0"/>
+              <a:t>.method(</a:t>
+            </a:r>
+            <a:r>
+              <a:rPr lang="zh-TW" altLang="en-US" sz="2000" dirty="0" smtClean="0"/>
+              <a:t>參數</a:t>
+            </a:r>
+            <a:r>
+              <a:rPr lang="en-US" altLang="zh-TW" sz="2000" dirty="0" smtClean="0"/>
+              <a:t>)</a:t>
+            </a:r>
+            <a:r>
+              <a:rPr lang="zh-TW" altLang="en-US" sz="2000" dirty="0" smtClean="0"/>
+              <a:t>的方式</a:t>
+            </a:r>
+            <a:endParaRPr lang="en-US" altLang="zh-TW" sz="2000" dirty="0"/>
+          </a:p>
+        </p:txBody>
+      </p:sp>
+    </p:spTree>
+    <p:extLst>
+      <p:ext uri="{BB962C8B-B14F-4D97-AF65-F5344CB8AC3E}">
+        <p14:creationId xmlns:p14="http://schemas.microsoft.com/office/powerpoint/2010/main" val="88934615"/>
+      </p:ext>
+    </p:extLst>
+  </p:cSld>
+  <p:clrMapOvr>
+    <a:masterClrMapping/>
+  </p:clrMapOvr>
+</p:sld>
+</file>
+
+<file path=ppt/slides/slide35.xml><?xml version="1.0" encoding="utf-8"?>
+<p:sld xmlns:a="http://schemas.openxmlformats.org/drawingml/2006/main" xmlns:r="http://schemas.openxmlformats.org/officeDocument/2006/relationships" xmlns:p="http://schemas.openxmlformats.org/presentationml/2006/main">
+  <p:cSld>
+    <p:spTree>
+      <p:nvGrpSpPr>
+        <p:cNvPr id="1" name=""/>
+        <p:cNvGrpSpPr/>
+        <p:nvPr/>
+      </p:nvGrpSpPr>
+      <p:grpSpPr>
+        <a:xfrm>
+          <a:off x="0" y="0"/>
+          <a:ext cx="0" cy="0"/>
+          <a:chOff x="0" y="0"/>
+          <a:chExt cx="0" cy="0"/>
+        </a:xfrm>
+      </p:grpSpPr>
+      <p:sp>
+        <p:nvSpPr>
+          <p:cNvPr id="2" name="Title 1"/>
+          <p:cNvSpPr>
+            <a:spLocks noGrp="1"/>
+          </p:cNvSpPr>
+          <p:nvPr>
+            <p:ph type="title"/>
+          </p:nvPr>
+        </p:nvSpPr>
+        <p:spPr/>
+        <p:txBody>
+          <a:bodyPr/>
+          <a:lstStyle/>
+          <a:p>
+            <a:r>
+              <a:rPr lang="zh-TW" altLang="en-US" dirty="0" smtClean="0"/>
               <a:t>附</a:t>
             </a:r>
             <a:r>
@@ -9316,7 +9489,7 @@
 </p:sld>
 </file>
 
-<file path=ppt/slides/slide35.xml><?xml version="1.0" encoding="utf-8"?>
+<file path=ppt/slides/slide36.xml><?xml version="1.0" encoding="utf-8"?>
 <p:sld xmlns:a="http://schemas.openxmlformats.org/drawingml/2006/main" xmlns:r="http://schemas.openxmlformats.org/officeDocument/2006/relationships" xmlns:p="http://schemas.openxmlformats.org/presentationml/2006/main">
   <p:cSld>
     <p:spTree>
@@ -10191,7 +10364,7 @@
 </p:sld>
 </file>
 
-<file path=ppt/slides/slide36.xml><?xml version="1.0" encoding="utf-8"?>
+<file path=ppt/slides/slide37.xml><?xml version="1.0" encoding="utf-8"?>
 <p:sld xmlns:a="http://schemas.openxmlformats.org/drawingml/2006/main" xmlns:r="http://schemas.openxmlformats.org/officeDocument/2006/relationships" xmlns:p="http://schemas.openxmlformats.org/presentationml/2006/main">
   <p:cSld>
     <p:spTree>
@@ -11004,7 +11177,7 @@
 </p:sld>
 </file>
 
-<file path=ppt/slides/slide37.xml><?xml version="1.0" encoding="utf-8"?>
+<file path=ppt/slides/slide38.xml><?xml version="1.0" encoding="utf-8"?>
 <p:sld xmlns:a="http://schemas.openxmlformats.org/drawingml/2006/main" xmlns:r="http://schemas.openxmlformats.org/officeDocument/2006/relationships" xmlns:p="http://schemas.openxmlformats.org/presentationml/2006/main">
   <p:cSld>
     <p:spTree>
@@ -11074,11 +11247,7 @@
             </a:pPr>
             <a:r>
               <a:rPr lang="en-US" altLang="zh-TW" dirty="0" smtClean="0"/>
-              <a:t>a </a:t>
-            </a:r>
-            <a:r>
-              <a:rPr lang="en-US" altLang="zh-TW" dirty="0" smtClean="0"/>
-              <a:t>= [1, 'EECS</a:t>
+              <a:t>a = [1, 'EECS</a:t>
             </a:r>
             <a:r>
               <a:rPr lang="en-US" altLang="zh-TW" dirty="0"/>
@@ -11668,17 +11837,8 @@
             </a:pPr>
             <a:r>
               <a:rPr lang="en-US" altLang="zh-TW" dirty="0" smtClean="0"/>
-              <a:t>a </a:t>
-            </a:r>
-            <a:r>
-              <a:rPr lang="en-US" altLang="zh-TW" dirty="0" smtClean="0"/>
-              <a:t>= </a:t>
-            </a:r>
-            <a:r>
-              <a:rPr lang="en-US" altLang="zh-TW" dirty="0" smtClean="0"/>
-              <a:t>5</a:t>
-            </a:r>
-            <a:endParaRPr lang="en-US" altLang="zh-TW" dirty="0" smtClean="0"/>
+              <a:t>a = 5</a:t>
+            </a:r>
           </a:p>
           <a:p>
             <a:r>
@@ -11691,11 +11851,7 @@
             </a:r>
             <a:r>
               <a:rPr lang="zh-TW" altLang="en-US" dirty="0" smtClean="0"/>
-              <a:t>變數的名字，</a:t>
-            </a:r>
-            <a:r>
-              <a:rPr lang="zh-TW" altLang="en-US" dirty="0" smtClean="0"/>
-              <a:t>在</a:t>
+              <a:t>變數的名字，在</a:t>
             </a:r>
             <a:r>
               <a:rPr lang="zh-TW" altLang="en-US" dirty="0"/>
@@ -11748,15 +11904,7 @@
           <a:p>
             <a:r>
               <a:rPr lang="zh-TW" altLang="en-US" dirty="0" smtClean="0"/>
-              <a:t>有</a:t>
-            </a:r>
-            <a:r>
-              <a:rPr lang="zh-TW" altLang="en-US" dirty="0" smtClean="0"/>
-              <a:t>哪些變數的</a:t>
-            </a:r>
-            <a:r>
-              <a:rPr lang="zh-TW" altLang="en-US" dirty="0" smtClean="0"/>
-              <a:t>型</a:t>
+              <a:t>有哪些變數的型</a:t>
             </a:r>
             <a:r>
               <a:rPr lang="zh-TW" altLang="en-US" dirty="0"/>
@@ -11764,15 +11912,7 @@
             </a:r>
             <a:r>
               <a:rPr lang="en-US" altLang="zh-TW" dirty="0" smtClean="0"/>
-              <a:t>(</a:t>
-            </a:r>
-            <a:r>
-              <a:rPr lang="en-US" altLang="zh-TW" dirty="0" smtClean="0"/>
-              <a:t>type</a:t>
-            </a:r>
-            <a:r>
-              <a:rPr lang="en-US" altLang="zh-TW" dirty="0" smtClean="0"/>
-              <a:t>)?</a:t>
+              <a:t>(type)?</a:t>
             </a:r>
           </a:p>
           <a:p>
@@ -11924,7 +12064,6 @@
               <a:rPr lang="zh-TW" altLang="en-US" dirty="0"/>
               <a:t>變數 ── 程式語言的基礎</a:t>
             </a:r>
-            <a:endParaRPr lang="zh-TW" altLang="en-US" dirty="0"/>
           </a:p>
         </p:txBody>
       </p:sp>
@@ -11979,21 +12118,13 @@
             </a:pPr>
             <a:r>
               <a:rPr lang="en-US" altLang="zh-TW" dirty="0" smtClean="0"/>
-              <a:t>a </a:t>
-            </a:r>
-            <a:r>
-              <a:rPr lang="en-US" altLang="zh-TW" dirty="0" smtClean="0"/>
-              <a:t>+ b </a:t>
-            </a:r>
-          </a:p>
-          <a:p>
-            <a:r>
-              <a:rPr lang="zh-TW" altLang="en-US" dirty="0" smtClean="0"/>
-              <a:t>試試看不同的運算</a:t>
-            </a:r>
-            <a:r>
-              <a:rPr lang="zh-TW" altLang="en-US" dirty="0" smtClean="0"/>
-              <a:t>子 </a:t>
+              <a:t>a + b </a:t>
+            </a:r>
+          </a:p>
+          <a:p>
+            <a:r>
+              <a:rPr lang="zh-TW" altLang="en-US" dirty="0" smtClean="0"/>
+              <a:t>試試看不同的運算子 </a:t>
             </a:r>
             <a:r>
               <a:rPr lang="en-US" altLang="zh-TW" dirty="0" smtClean="0"/>
@@ -12007,20 +12138,11 @@
               <a:rPr lang="en-US" altLang="zh-TW" dirty="0" smtClean="0"/>
               <a:t>)</a:t>
             </a:r>
-            <a:endParaRPr lang="en-US" altLang="zh-TW" dirty="0" smtClean="0"/>
-          </a:p>
-          <a:p>
-            <a:r>
-              <a:rPr lang="zh-TW" altLang="en-US" dirty="0" smtClean="0"/>
-              <a:t>如果是不同型</a:t>
-            </a:r>
-            <a:r>
-              <a:rPr lang="zh-TW" altLang="en-US" dirty="0" smtClean="0"/>
-              <a:t>別</a:t>
-            </a:r>
-            <a:r>
-              <a:rPr lang="zh-TW" altLang="en-US" dirty="0" smtClean="0"/>
-              <a:t>之間的運算</a:t>
+          </a:p>
+          <a:p>
+            <a:r>
+              <a:rPr lang="zh-TW" altLang="en-US" dirty="0" smtClean="0"/>
+              <a:t>如果是不同型別之間的運算</a:t>
             </a:r>
             <a:r>
               <a:rPr lang="en-US" altLang="zh-TW" dirty="0" smtClean="0"/>
@@ -12042,11 +12164,7 @@
             </a:pPr>
             <a:r>
               <a:rPr lang="en-US" altLang="zh-TW" dirty="0" smtClean="0"/>
-              <a:t>b </a:t>
-            </a:r>
-            <a:r>
-              <a:rPr lang="en-US" altLang="zh-TW" dirty="0" smtClean="0"/>
-              <a:t>= </a:t>
+              <a:t>b = </a:t>
             </a:r>
             <a:r>
               <a:rPr lang="en-US" altLang="zh-TW" dirty="0"/>
@@ -12068,11 +12186,7 @@
             </a:pPr>
             <a:r>
               <a:rPr lang="en-US" altLang="zh-TW" dirty="0" smtClean="0"/>
-              <a:t>a </a:t>
-            </a:r>
-            <a:r>
-              <a:rPr lang="en-US" altLang="zh-TW" dirty="0" smtClean="0"/>
-              <a:t>+ b </a:t>
+              <a:t>a + b </a:t>
             </a:r>
           </a:p>
           <a:p>
@@ -12159,7 +12273,6 @@
               <a:rPr lang="zh-TW" altLang="en-US" dirty="0"/>
               <a:t>變數 ── 程式語言的基礎</a:t>
             </a:r>
-            <a:endParaRPr lang="zh-TW" altLang="en-US" dirty="0"/>
           </a:p>
         </p:txBody>
       </p:sp>
@@ -12180,15 +12293,7 @@
           <a:p>
             <a:r>
               <a:rPr lang="zh-TW" altLang="en-US" dirty="0" smtClean="0"/>
-              <a:t>不同</a:t>
-            </a:r>
-            <a:r>
-              <a:rPr lang="zh-TW" altLang="en-US" dirty="0" smtClean="0"/>
-              <a:t>型別間</a:t>
-            </a:r>
-            <a:r>
-              <a:rPr lang="zh-TW" altLang="en-US" dirty="0" smtClean="0"/>
-              <a:t>的運算</a:t>
+              <a:t>不同型別間的運算</a:t>
             </a:r>
             <a:endParaRPr lang="en-US" altLang="zh-TW" dirty="0" smtClean="0"/>
           </a:p>
@@ -12208,17 +12313,8 @@
             </a:r>
             <a:r>
               <a:rPr lang="en-US" altLang="zh-TW" dirty="0" smtClean="0"/>
-              <a:t> </a:t>
-            </a:r>
-            <a:r>
-              <a:rPr lang="en-US" altLang="zh-TW" dirty="0" smtClean="0"/>
-              <a:t>+ </a:t>
-            </a:r>
-            <a:r>
-              <a:rPr lang="en-US" altLang="zh-TW" dirty="0" smtClean="0"/>
-              <a:t>float)</a:t>
-            </a:r>
-            <a:endParaRPr lang="en-US" altLang="zh-TW" dirty="0" smtClean="0"/>
+              <a:t> + float)</a:t>
+            </a:r>
           </a:p>
           <a:p>
             <a:pPr lvl="1"/>
@@ -12236,17 +12332,8 @@
             </a:r>
             <a:r>
               <a:rPr lang="en-US" altLang="zh-TW" dirty="0" smtClean="0"/>
-              <a:t> </a:t>
-            </a:r>
-            <a:r>
-              <a:rPr lang="en-US" altLang="zh-TW" dirty="0" smtClean="0"/>
-              <a:t>+ </a:t>
-            </a:r>
-            <a:r>
-              <a:rPr lang="en-US" altLang="zh-TW" dirty="0" smtClean="0"/>
-              <a:t>string)</a:t>
-            </a:r>
-            <a:endParaRPr lang="en-US" altLang="zh-TW" dirty="0" smtClean="0"/>
+              <a:t> + string)</a:t>
+            </a:r>
           </a:p>
           <a:p>
             <a:r>
@@ -12482,15 +12569,7 @@
             </a:r>
             <a:r>
               <a:rPr lang="zh-TW" altLang="en-US" dirty="0" smtClean="0"/>
-              <a:t>顯</a:t>
-            </a:r>
-            <a:r>
-              <a:rPr lang="zh-TW" altLang="en-US" dirty="0" smtClean="0"/>
-              <a:t>示訊息在螢幕</a:t>
-            </a:r>
-            <a:r>
-              <a:rPr lang="zh-TW" altLang="en-US" dirty="0" smtClean="0"/>
-              <a:t>上</a:t>
+              <a:t>顯示訊息在螢幕上</a:t>
             </a:r>
             <a:endParaRPr lang="en-US" altLang="zh-TW" dirty="0" smtClean="0"/>
           </a:p>
@@ -12553,7 +12632,6 @@
               <a:rPr lang="en-US" altLang="zh-TW" dirty="0" smtClean="0"/>
               <a:t>)</a:t>
             </a:r>
-            <a:endParaRPr lang="en-US" altLang="zh-TW" dirty="0" smtClean="0"/>
           </a:p>
           <a:p>
             <a:endParaRPr lang="en-US" altLang="zh-TW" dirty="0" smtClean="0"/>
@@ -12614,11 +12692,7 @@
           <a:p>
             <a:r>
               <a:rPr lang="zh-TW" altLang="en-US" dirty="0" smtClean="0"/>
-              <a:t>印</a:t>
-            </a:r>
-            <a:r>
-              <a:rPr lang="zh-TW" altLang="en-US" dirty="0" smtClean="0"/>
-              <a:t>出變</a:t>
+              <a:t>印出變</a:t>
             </a:r>
             <a:r>
               <a:rPr lang="zh-TW" altLang="en-US" dirty="0"/>
